--- a/ppt/算法讲解007【入门】时间复杂度和空间复杂度.pptx
+++ b/ppt/算法讲解007【入门】时间复杂度和空间复杂度.pptx
@@ -1,16 +1,16 @@
 
 <file path=ppt/presentation.xml><?xml version="1.0" encoding="utf-8"?>
-<p:presentation xmlns:a="http://schemas.openxmlformats.org/drawingml/2006/main" xmlns:r="http://schemas.openxmlformats.org/officeDocument/2006/relationships" xmlns:p="http://schemas.openxmlformats.org/presentationml/2006/main" xmlns:m="http://schemas.openxmlformats.org/officeDocument/2006/math" xmlns:a14="http://schemas.microsoft.com/office/drawing/2010/main">
+<p:presentation xmlns:a="http://schemas.openxmlformats.org/drawingml/2006/main" xmlns:r="http://schemas.openxmlformats.org/officeDocument/2006/relationships" xmlns:p="http://schemas.openxmlformats.org/presentationml/2006/main">
   <p:sldMasterIdLst>
-    <p:sldMasterId id="2147483648" r:id="rId5"/>
+    <p:sldMasterId id="2147483648" r:id="rId1"/>
   </p:sldMasterIdLst>
   <p:notesMasterIdLst>
-    <p:notesMasterId r:id="rId7"/>
+    <p:notesMasterId r:id="rId5"/>
   </p:notesMasterIdLst>
   <p:sldIdLst>
-    <p:sldId id="256" r:id="rId8"/>
-    <p:sldId id="257" r:id="rId9"/>
-    <p:sldId id="258" r:id="rId10"/>
+    <p:sldId id="256" r:id="rId2"/>
+    <p:sldId id="257" r:id="rId3"/>
+    <p:sldId id="258" r:id="rId4"/>
   </p:sldIdLst>
   <p:sldSz cx="24384000" cy="13716000"/>
   <p:notesSz cx="6858000" cy="9144000"/>
@@ -30,7 +30,7 @@
       <a:buFontTx/>
       <a:buNone/>
       <a:tabLst/>
-      <a:defRPr b="0" baseline="0" cap="none" i="0" spc="0" strike="noStrike" sz="1800" u="none" kumimoji="0" normalizeH="0">
+      <a:defRPr kumimoji="0" sz="1800" b="0" i="0" u="none" strike="noStrike" cap="none" spc="0" normalizeH="0" baseline="0">
         <a:ln>
           <a:noFill/>
         </a:ln>
@@ -56,7 +56,7 @@
       <a:buFontTx/>
       <a:buNone/>
       <a:tabLst/>
-      <a:defRPr b="0" baseline="0" cap="none" i="0" spc="0" strike="noStrike" sz="2400" u="none" kumimoji="0" normalizeH="0">
+      <a:defRPr kumimoji="0" sz="2400" b="0" i="0" u="none" strike="noStrike" cap="none" spc="0" normalizeH="0" baseline="0">
         <a:ln>
           <a:noFill/>
         </a:ln>
@@ -86,7 +86,7 @@
       <a:buFontTx/>
       <a:buNone/>
       <a:tabLst/>
-      <a:defRPr b="0" baseline="0" cap="none" i="0" spc="0" strike="noStrike" sz="2400" u="none" kumimoji="0" normalizeH="0">
+      <a:defRPr kumimoji="0" sz="2400" b="0" i="0" u="none" strike="noStrike" cap="none" spc="0" normalizeH="0" baseline="0">
         <a:ln>
           <a:noFill/>
         </a:ln>
@@ -116,7 +116,7 @@
       <a:buFontTx/>
       <a:buNone/>
       <a:tabLst/>
-      <a:defRPr b="0" baseline="0" cap="none" i="0" spc="0" strike="noStrike" sz="2400" u="none" kumimoji="0" normalizeH="0">
+      <a:defRPr kumimoji="0" sz="2400" b="0" i="0" u="none" strike="noStrike" cap="none" spc="0" normalizeH="0" baseline="0">
         <a:ln>
           <a:noFill/>
         </a:ln>
@@ -146,7 +146,7 @@
       <a:buFontTx/>
       <a:buNone/>
       <a:tabLst/>
-      <a:defRPr b="0" baseline="0" cap="none" i="0" spc="0" strike="noStrike" sz="2400" u="none" kumimoji="0" normalizeH="0">
+      <a:defRPr kumimoji="0" sz="2400" b="0" i="0" u="none" strike="noStrike" cap="none" spc="0" normalizeH="0" baseline="0">
         <a:ln>
           <a:noFill/>
         </a:ln>
@@ -176,7 +176,7 @@
       <a:buFontTx/>
       <a:buNone/>
       <a:tabLst/>
-      <a:defRPr b="0" baseline="0" cap="none" i="0" spc="0" strike="noStrike" sz="2400" u="none" kumimoji="0" normalizeH="0">
+      <a:defRPr kumimoji="0" sz="2400" b="0" i="0" u="none" strike="noStrike" cap="none" spc="0" normalizeH="0" baseline="0">
         <a:ln>
           <a:noFill/>
         </a:ln>
@@ -206,7 +206,7 @@
       <a:buFontTx/>
       <a:buNone/>
       <a:tabLst/>
-      <a:defRPr b="0" baseline="0" cap="none" i="0" spc="0" strike="noStrike" sz="2400" u="none" kumimoji="0" normalizeH="0">
+      <a:defRPr kumimoji="0" sz="2400" b="0" i="0" u="none" strike="noStrike" cap="none" spc="0" normalizeH="0" baseline="0">
         <a:ln>
           <a:noFill/>
         </a:ln>
@@ -236,7 +236,7 @@
       <a:buFontTx/>
       <a:buNone/>
       <a:tabLst/>
-      <a:defRPr b="0" baseline="0" cap="none" i="0" spc="0" strike="noStrike" sz="2400" u="none" kumimoji="0" normalizeH="0">
+      <a:defRPr kumimoji="0" sz="2400" b="0" i="0" u="none" strike="noStrike" cap="none" spc="0" normalizeH="0" baseline="0">
         <a:ln>
           <a:noFill/>
         </a:ln>
@@ -266,7 +266,7 @@
       <a:buFontTx/>
       <a:buNone/>
       <a:tabLst/>
-      <a:defRPr b="0" baseline="0" cap="none" i="0" spc="0" strike="noStrike" sz="2400" u="none" kumimoji="0" normalizeH="0">
+      <a:defRPr kumimoji="0" sz="2400" b="0" i="0" u="none" strike="noStrike" cap="none" spc="0" normalizeH="0" baseline="0">
         <a:ln>
           <a:noFill/>
         </a:ln>
@@ -296,7 +296,7 @@
       <a:buFontTx/>
       <a:buNone/>
       <a:tabLst/>
-      <a:defRPr b="0" baseline="0" cap="none" i="0" spc="0" strike="noStrike" sz="2400" u="none" kumimoji="0" normalizeH="0">
+      <a:defRPr kumimoji="0" sz="2400" b="0" i="0" u="none" strike="noStrike" cap="none" spc="0" normalizeH="0" baseline="0">
         <a:ln>
           <a:noFill/>
         </a:ln>
@@ -315,13 +315,14 @@
 </p:presentation>
 </file>
 
-<file path=ppt/commentAuthors.xml><?xml version="1.0" encoding="utf-8"?>
-<p:cmAuthorLst xmlns:a="http://schemas.openxmlformats.org/drawingml/2006/main" xmlns:r="http://schemas.openxmlformats.org/officeDocument/2006/relationships" xmlns:p="http://schemas.openxmlformats.org/presentationml/2006/main" xmlns:m="http://schemas.openxmlformats.org/officeDocument/2006/math" xmlns:a14="http://schemas.microsoft.com/office/drawing/2010/main"/>
-</file>
-
 <file path=ppt/notesMasters/notesMaster1.xml><?xml version="1.0" encoding="utf-8"?>
-<p:notesMaster xmlns:a="http://schemas.openxmlformats.org/drawingml/2006/main" xmlns:r="http://schemas.openxmlformats.org/officeDocument/2006/relationships" xmlns:p="http://schemas.openxmlformats.org/presentationml/2006/main" xmlns:m="http://schemas.openxmlformats.org/officeDocument/2006/math" xmlns:a14="http://schemas.microsoft.com/office/drawing/2010/main">
+<p:notesMaster xmlns:a="http://schemas.openxmlformats.org/drawingml/2006/main" xmlns:r="http://schemas.openxmlformats.org/officeDocument/2006/relationships" xmlns:p="http://schemas.openxmlformats.org/presentationml/2006/main">
   <p:cSld>
+    <p:bg>
+      <p:bgRef idx="1001">
+        <a:schemeClr val="bg1"/>
+      </p:bgRef>
+    </p:bg>
     <p:spTree>
       <p:nvGrpSpPr>
         <p:cNvPr id="1" name=""/>
@@ -339,7 +340,9 @@
       <p:sp>
         <p:nvSpPr>
           <p:cNvPr id="157" name="Shape 157"/>
-          <p:cNvSpPr/>
+          <p:cNvSpPr>
+            <a:spLocks noGrp="1" noRot="1" noChangeAspect="1"/>
+          </p:cNvSpPr>
           <p:nvPr>
             <p:ph type="sldImg"/>
           </p:nvPr>
@@ -357,14 +360,16 @@
           <a:bodyPr/>
           <a:lstStyle/>
           <a:p>
-            <a:pPr/>
+            <a:endParaRPr/>
           </a:p>
         </p:txBody>
       </p:sp>
       <p:sp>
         <p:nvSpPr>
           <p:cNvPr id="158" name="Shape 158"/>
-          <p:cNvSpPr/>
+          <p:cNvSpPr>
+            <a:spLocks noGrp="1"/>
+          </p:cNvSpPr>
           <p:nvPr>
             <p:ph type="body" sz="quarter" idx="1"/>
           </p:nvPr>
@@ -382,7 +387,7 @@
           <a:bodyPr/>
           <a:lstStyle/>
           <a:p>
-            <a:pPr/>
+            <a:endParaRPr/>
           </a:p>
         </p:txBody>
       </p:sp>
@@ -494,7 +499,7 @@
 </file>
 
 <file path=ppt/slideLayouts/slideLayout1.xml><?xml version="1.0" encoding="utf-8"?>
-<p:sldLayout xmlns:a="http://schemas.openxmlformats.org/drawingml/2006/main" xmlns:r="http://schemas.openxmlformats.org/officeDocument/2006/relationships" xmlns:p="http://schemas.openxmlformats.org/presentationml/2006/main" xmlns:m="http://schemas.openxmlformats.org/officeDocument/2006/math" xmlns:a14="http://schemas.microsoft.com/office/drawing/2010/main" type="title" showMasterSp="1" showMasterPhAnim="1">
+<p:sldLayout xmlns:a="http://schemas.openxmlformats.org/drawingml/2006/main" xmlns:r="http://schemas.openxmlformats.org/officeDocument/2006/relationships" xmlns:p="http://schemas.openxmlformats.org/presentationml/2006/main" type="title">
   <p:cSld name="Title">
     <p:spTree>
       <p:nvGrpSpPr>
@@ -513,7 +518,9 @@
       <p:sp>
         <p:nvSpPr>
           <p:cNvPr id="11" name="Author and Date"/>
-          <p:cNvSpPr txBox="1"/>
+          <p:cNvSpPr txBox="1">
+            <a:spLocks noGrp="1"/>
+          </p:cNvSpPr>
           <p:nvPr>
             <p:ph type="body" sz="quarter" idx="21" hasCustomPrompt="1"/>
           </p:nvPr>
@@ -539,11 +546,10 @@
               </a:spcBef>
               <a:buSzTx/>
               <a:buNone/>
-              <a:defRPr b="1" sz="3600"/>
+              <a:defRPr sz="3600" b="1"/>
             </a:lvl1pPr>
           </a:lstStyle>
           <a:p>
-            <a:pPr/>
             <a:r>
               <a:t>Author and Date</a:t>
             </a:r>
@@ -553,7 +559,9 @@
       <p:sp>
         <p:nvSpPr>
           <p:cNvPr id="12" name="Presentation Title"/>
-          <p:cNvSpPr txBox="1"/>
+          <p:cNvSpPr txBox="1">
+            <a:spLocks noGrp="1"/>
+          </p:cNvSpPr>
           <p:nvPr>
             <p:ph type="title" hasCustomPrompt="1"/>
           </p:nvPr>
@@ -571,11 +579,10 @@
           <a:bodyPr anchor="b"/>
           <a:lstStyle>
             <a:lvl1pPr>
-              <a:defRPr spc="-232" sz="11600"/>
+              <a:defRPr sz="11600" spc="-232"/>
             </a:lvl1pPr>
           </a:lstStyle>
           <a:p>
-            <a:pPr/>
             <a:r>
               <a:t>Presentation Title</a:t>
             </a:r>
@@ -585,7 +592,9 @@
       <p:sp>
         <p:nvSpPr>
           <p:cNvPr id="13" name="Body Level One…"/>
-          <p:cNvSpPr txBox="1"/>
+          <p:cNvSpPr txBox="1">
+            <a:spLocks noGrp="1"/>
+          </p:cNvSpPr>
           <p:nvPr>
             <p:ph type="body" sz="quarter" idx="1" hasCustomPrompt="1"/>
           </p:nvPr>
@@ -611,7 +620,7 @@
               </a:spcBef>
               <a:buSzTx/>
               <a:buNone/>
-              <a:defRPr b="1" sz="5500"/>
+              <a:defRPr sz="5500" b="1"/>
             </a:lvl1pPr>
             <a:lvl2pPr marL="0" indent="457200" defTabSz="825500">
               <a:lnSpc>
@@ -622,7 +631,7 @@
               </a:spcBef>
               <a:buSzTx/>
               <a:buNone/>
-              <a:defRPr b="1" sz="5500"/>
+              <a:defRPr sz="5500" b="1"/>
             </a:lvl2pPr>
             <a:lvl3pPr marL="0" indent="914400" defTabSz="825500">
               <a:lnSpc>
@@ -633,7 +642,7 @@
               </a:spcBef>
               <a:buSzTx/>
               <a:buNone/>
-              <a:defRPr b="1" sz="5500"/>
+              <a:defRPr sz="5500" b="1"/>
             </a:lvl3pPr>
             <a:lvl4pPr marL="0" indent="1371600" defTabSz="825500">
               <a:lnSpc>
@@ -644,7 +653,7 @@
               </a:spcBef>
               <a:buSzTx/>
               <a:buNone/>
-              <a:defRPr b="1" sz="5500"/>
+              <a:defRPr sz="5500" b="1"/>
             </a:lvl4pPr>
             <a:lvl5pPr marL="0" indent="1828800" defTabSz="825500">
               <a:lnSpc>
@@ -655,45 +664,38 @@
               </a:spcBef>
               <a:buSzTx/>
               <a:buNone/>
-              <a:defRPr b="1" sz="5500"/>
+              <a:defRPr sz="5500" b="1"/>
             </a:lvl5pPr>
           </a:lstStyle>
           <a:p>
-            <a:pPr/>
             <a:r>
               <a:t>Presentation Subtitle</a:t>
             </a:r>
           </a:p>
           <a:p>
             <a:pPr lvl="1"/>
-            <a:r>
-              <a:t/>
-            </a:r>
+            <a:endParaRPr/>
           </a:p>
           <a:p>
             <a:pPr lvl="2"/>
-            <a:r>
-              <a:t/>
-            </a:r>
+            <a:endParaRPr/>
           </a:p>
           <a:p>
             <a:pPr lvl="3"/>
-            <a:r>
-              <a:t/>
-            </a:r>
+            <a:endParaRPr/>
           </a:p>
           <a:p>
             <a:pPr lvl="4"/>
-            <a:r>
-              <a:t/>
-            </a:r>
+            <a:endParaRPr/>
           </a:p>
         </p:txBody>
       </p:sp>
       <p:sp>
         <p:nvSpPr>
           <p:cNvPr id="14" name="Slide Number"/>
-          <p:cNvSpPr txBox="1"/>
+          <p:cNvSpPr txBox="1">
+            <a:spLocks noGrp="1"/>
+          </p:cNvSpPr>
           <p:nvPr>
             <p:ph type="sldNum" sz="quarter" idx="2"/>
           </p:nvPr>
@@ -707,8 +709,10 @@
           <a:bodyPr/>
           <a:lstStyle/>
           <a:p>
-            <a:pPr/>
-            <a:fld id="{86CB4B4D-7CA3-9044-876B-883B54F8677D}" type="slidenum"/>
+            <a:fld id="{86CB4B4D-7CA3-9044-876B-883B54F8677D}" type="slidenum">
+              <a:t>‹#›</a:t>
+            </a:fld>
+            <a:endParaRPr/>
           </a:p>
         </p:txBody>
       </p:sp>
@@ -717,12 +721,12 @@
   <p:clrMapOvr>
     <a:masterClrMapping/>
   </p:clrMapOvr>
-  <p:transition xmlns:p14="http://schemas.microsoft.com/office/powerpoint/2010/main" spd="med" advClick="1"/>
+  <p:transition spd="med"/>
 </p:sldLayout>
 </file>
 
 <file path=ppt/slideLayouts/slideLayout10.xml><?xml version="1.0" encoding="utf-8"?>
-<p:sldLayout xmlns:a="http://schemas.openxmlformats.org/drawingml/2006/main" xmlns:r="http://schemas.openxmlformats.org/officeDocument/2006/relationships" xmlns:p="http://schemas.openxmlformats.org/presentationml/2006/main" xmlns:m="http://schemas.openxmlformats.org/officeDocument/2006/math" xmlns:a14="http://schemas.microsoft.com/office/drawing/2010/main" type="tx" showMasterSp="1" showMasterPhAnim="1">
+<p:sldLayout xmlns:a="http://schemas.openxmlformats.org/drawingml/2006/main" xmlns:r="http://schemas.openxmlformats.org/officeDocument/2006/relationships" xmlns:p="http://schemas.openxmlformats.org/presentationml/2006/main" type="tx">
   <p:cSld name="Statement">
     <p:spTree>
       <p:nvGrpSpPr>
@@ -741,7 +745,9 @@
       <p:sp>
         <p:nvSpPr>
           <p:cNvPr id="98" name="Body Level One…"/>
-          <p:cNvSpPr txBox="1"/>
+          <p:cNvSpPr txBox="1">
+            <a:spLocks noGrp="1"/>
+          </p:cNvSpPr>
           <p:nvPr>
             <p:ph type="body" sz="half" idx="1" hasCustomPrompt="1"/>
           </p:nvPr>
@@ -767,7 +773,7 @@
               </a:spcBef>
               <a:buSzTx/>
               <a:buNone/>
-              <a:defRPr spc="-232" sz="11600">
+              <a:defRPr sz="11600" spc="-232">
                 <a:latin typeface="Helvetica Neue Medium"/>
                 <a:ea typeface="Helvetica Neue Medium"/>
                 <a:cs typeface="Helvetica Neue Medium"/>
@@ -783,7 +789,7 @@
               </a:spcBef>
               <a:buSzTx/>
               <a:buNone/>
-              <a:defRPr spc="-232" sz="11600">
+              <a:defRPr sz="11600" spc="-232">
                 <a:latin typeface="Helvetica Neue Medium"/>
                 <a:ea typeface="Helvetica Neue Medium"/>
                 <a:cs typeface="Helvetica Neue Medium"/>
@@ -799,7 +805,7 @@
               </a:spcBef>
               <a:buSzTx/>
               <a:buNone/>
-              <a:defRPr spc="-232" sz="11600">
+              <a:defRPr sz="11600" spc="-232">
                 <a:latin typeface="Helvetica Neue Medium"/>
                 <a:ea typeface="Helvetica Neue Medium"/>
                 <a:cs typeface="Helvetica Neue Medium"/>
@@ -815,7 +821,7 @@
               </a:spcBef>
               <a:buSzTx/>
               <a:buNone/>
-              <a:defRPr spc="-232" sz="11600">
+              <a:defRPr sz="11600" spc="-232">
                 <a:latin typeface="Helvetica Neue Medium"/>
                 <a:ea typeface="Helvetica Neue Medium"/>
                 <a:cs typeface="Helvetica Neue Medium"/>
@@ -831,7 +837,7 @@
               </a:spcBef>
               <a:buSzTx/>
               <a:buNone/>
-              <a:defRPr spc="-232" sz="11600">
+              <a:defRPr sz="11600" spc="-232">
                 <a:latin typeface="Helvetica Neue Medium"/>
                 <a:ea typeface="Helvetica Neue Medium"/>
                 <a:cs typeface="Helvetica Neue Medium"/>
@@ -840,41 +846,34 @@
             </a:lvl5pPr>
           </a:lstStyle>
           <a:p>
-            <a:pPr/>
             <a:r>
               <a:t>Statement</a:t>
             </a:r>
           </a:p>
           <a:p>
             <a:pPr lvl="1"/>
-            <a:r>
-              <a:t/>
-            </a:r>
+            <a:endParaRPr/>
           </a:p>
           <a:p>
             <a:pPr lvl="2"/>
-            <a:r>
-              <a:t/>
-            </a:r>
+            <a:endParaRPr/>
           </a:p>
           <a:p>
             <a:pPr lvl="3"/>
-            <a:r>
-              <a:t/>
-            </a:r>
+            <a:endParaRPr/>
           </a:p>
           <a:p>
             <a:pPr lvl="4"/>
-            <a:r>
-              <a:t/>
-            </a:r>
+            <a:endParaRPr/>
           </a:p>
         </p:txBody>
       </p:sp>
       <p:sp>
         <p:nvSpPr>
           <p:cNvPr id="99" name="Slide Number"/>
-          <p:cNvSpPr txBox="1"/>
+          <p:cNvSpPr txBox="1">
+            <a:spLocks noGrp="1"/>
+          </p:cNvSpPr>
           <p:nvPr>
             <p:ph type="sldNum" sz="quarter" idx="2"/>
           </p:nvPr>
@@ -888,8 +887,10 @@
           <a:bodyPr/>
           <a:lstStyle/>
           <a:p>
-            <a:pPr/>
-            <a:fld id="{86CB4B4D-7CA3-9044-876B-883B54F8677D}" type="slidenum"/>
+            <a:fld id="{86CB4B4D-7CA3-9044-876B-883B54F8677D}" type="slidenum">
+              <a:t>‹#›</a:t>
+            </a:fld>
+            <a:endParaRPr/>
           </a:p>
         </p:txBody>
       </p:sp>
@@ -898,12 +899,12 @@
   <p:clrMapOvr>
     <a:masterClrMapping/>
   </p:clrMapOvr>
-  <p:transition xmlns:p14="http://schemas.microsoft.com/office/powerpoint/2010/main" spd="med" advClick="1"/>
+  <p:transition spd="med"/>
 </p:sldLayout>
 </file>
 
 <file path=ppt/slideLayouts/slideLayout11.xml><?xml version="1.0" encoding="utf-8"?>
-<p:sldLayout xmlns:a="http://schemas.openxmlformats.org/drawingml/2006/main" xmlns:r="http://schemas.openxmlformats.org/officeDocument/2006/relationships" xmlns:p="http://schemas.openxmlformats.org/presentationml/2006/main" xmlns:m="http://schemas.openxmlformats.org/officeDocument/2006/math" xmlns:a14="http://schemas.microsoft.com/office/drawing/2010/main" type="tx" showMasterSp="1" showMasterPhAnim="1">
+<p:sldLayout xmlns:a="http://schemas.openxmlformats.org/drawingml/2006/main" xmlns:r="http://schemas.openxmlformats.org/officeDocument/2006/relationships" xmlns:p="http://schemas.openxmlformats.org/presentationml/2006/main" type="tx">
   <p:cSld name="Big Fact">
     <p:spTree>
       <p:nvGrpSpPr>
@@ -922,7 +923,9 @@
       <p:sp>
         <p:nvSpPr>
           <p:cNvPr id="106" name="Body Level One…"/>
-          <p:cNvSpPr txBox="1"/>
+          <p:cNvSpPr txBox="1">
+            <a:spLocks noGrp="1"/>
+          </p:cNvSpPr>
           <p:nvPr>
             <p:ph type="body" idx="1" hasCustomPrompt="1"/>
           </p:nvPr>
@@ -948,7 +951,7 @@
               </a:spcBef>
               <a:buSzTx/>
               <a:buNone/>
-              <a:defRPr b="1" spc="-250" sz="25000"/>
+              <a:defRPr sz="25000" b="1" spc="-250"/>
             </a:lvl1pPr>
             <a:lvl2pPr marL="0" indent="457200" algn="ctr">
               <a:lnSpc>
@@ -959,7 +962,7 @@
               </a:spcBef>
               <a:buSzTx/>
               <a:buNone/>
-              <a:defRPr b="1" spc="-250" sz="25000"/>
+              <a:defRPr sz="25000" b="1" spc="-250"/>
             </a:lvl2pPr>
             <a:lvl3pPr marL="0" indent="914400" algn="ctr">
               <a:lnSpc>
@@ -970,7 +973,7 @@
               </a:spcBef>
               <a:buSzTx/>
               <a:buNone/>
-              <a:defRPr b="1" spc="-250" sz="25000"/>
+              <a:defRPr sz="25000" b="1" spc="-250"/>
             </a:lvl3pPr>
             <a:lvl4pPr marL="0" indent="1371600" algn="ctr">
               <a:lnSpc>
@@ -981,7 +984,7 @@
               </a:spcBef>
               <a:buSzTx/>
               <a:buNone/>
-              <a:defRPr b="1" spc="-250" sz="25000"/>
+              <a:defRPr sz="25000" b="1" spc="-250"/>
             </a:lvl4pPr>
             <a:lvl5pPr marL="0" indent="1828800" algn="ctr">
               <a:lnSpc>
@@ -992,45 +995,38 @@
               </a:spcBef>
               <a:buSzTx/>
               <a:buNone/>
-              <a:defRPr b="1" spc="-250" sz="25000"/>
+              <a:defRPr sz="25000" b="1" spc="-250"/>
             </a:lvl5pPr>
           </a:lstStyle>
           <a:p>
-            <a:pPr/>
             <a:r>
               <a:t>100%</a:t>
             </a:r>
           </a:p>
           <a:p>
             <a:pPr lvl="1"/>
-            <a:r>
-              <a:t/>
-            </a:r>
+            <a:endParaRPr/>
           </a:p>
           <a:p>
             <a:pPr lvl="2"/>
-            <a:r>
-              <a:t/>
-            </a:r>
+            <a:endParaRPr/>
           </a:p>
           <a:p>
             <a:pPr lvl="3"/>
-            <a:r>
-              <a:t/>
-            </a:r>
+            <a:endParaRPr/>
           </a:p>
           <a:p>
             <a:pPr lvl="4"/>
-            <a:r>
-              <a:t/>
-            </a:r>
+            <a:endParaRPr/>
           </a:p>
         </p:txBody>
       </p:sp>
       <p:sp>
         <p:nvSpPr>
           <p:cNvPr id="107" name="Fact information"/>
-          <p:cNvSpPr txBox="1"/>
+          <p:cNvSpPr txBox="1">
+            <a:spLocks noGrp="1"/>
+          </p:cNvSpPr>
           <p:nvPr>
             <p:ph type="body" sz="quarter" idx="21" hasCustomPrompt="1"/>
           </p:nvPr>
@@ -1056,11 +1052,10 @@
               </a:spcBef>
               <a:buSzTx/>
               <a:buNone/>
-              <a:defRPr b="1" sz="5500"/>
+              <a:defRPr sz="5500" b="1"/>
             </a:lvl1pPr>
           </a:lstStyle>
           <a:p>
-            <a:pPr/>
             <a:r>
               <a:t>Fact information</a:t>
             </a:r>
@@ -1070,7 +1065,9 @@
       <p:sp>
         <p:nvSpPr>
           <p:cNvPr id="108" name="Slide Number"/>
-          <p:cNvSpPr txBox="1"/>
+          <p:cNvSpPr txBox="1">
+            <a:spLocks noGrp="1"/>
+          </p:cNvSpPr>
           <p:nvPr>
             <p:ph type="sldNum" sz="quarter" idx="2"/>
           </p:nvPr>
@@ -1084,8 +1081,10 @@
           <a:bodyPr/>
           <a:lstStyle/>
           <a:p>
-            <a:pPr/>
-            <a:fld id="{86CB4B4D-7CA3-9044-876B-883B54F8677D}" type="slidenum"/>
+            <a:fld id="{86CB4B4D-7CA3-9044-876B-883B54F8677D}" type="slidenum">
+              <a:t>‹#›</a:t>
+            </a:fld>
+            <a:endParaRPr/>
           </a:p>
         </p:txBody>
       </p:sp>
@@ -1094,12 +1093,12 @@
   <p:clrMapOvr>
     <a:masterClrMapping/>
   </p:clrMapOvr>
-  <p:transition xmlns:p14="http://schemas.microsoft.com/office/powerpoint/2010/main" spd="med" advClick="1"/>
+  <p:transition spd="med"/>
 </p:sldLayout>
 </file>
 
 <file path=ppt/slideLayouts/slideLayout12.xml><?xml version="1.0" encoding="utf-8"?>
-<p:sldLayout xmlns:a="http://schemas.openxmlformats.org/drawingml/2006/main" xmlns:r="http://schemas.openxmlformats.org/officeDocument/2006/relationships" xmlns:p="http://schemas.openxmlformats.org/presentationml/2006/main" xmlns:m="http://schemas.openxmlformats.org/officeDocument/2006/math" xmlns:a14="http://schemas.microsoft.com/office/drawing/2010/main" type="tx" showMasterSp="1" showMasterPhAnim="1">
+<p:sldLayout xmlns:a="http://schemas.openxmlformats.org/drawingml/2006/main" xmlns:r="http://schemas.openxmlformats.org/officeDocument/2006/relationships" xmlns:p="http://schemas.openxmlformats.org/presentationml/2006/main" type="tx">
   <p:cSld name="Quote">
     <p:spTree>
       <p:nvGrpSpPr>
@@ -1118,7 +1117,9 @@
       <p:sp>
         <p:nvSpPr>
           <p:cNvPr id="115" name="Attribution"/>
-          <p:cNvSpPr txBox="1"/>
+          <p:cNvSpPr txBox="1">
+            <a:spLocks noGrp="1"/>
+          </p:cNvSpPr>
           <p:nvPr>
             <p:ph type="body" sz="quarter" idx="21" hasCustomPrompt="1"/>
           </p:nvPr>
@@ -1144,11 +1145,10 @@
               </a:spcBef>
               <a:buSzTx/>
               <a:buNone/>
-              <a:defRPr b="1" sz="3600"/>
+              <a:defRPr sz="3600" b="1"/>
             </a:lvl1pPr>
           </a:lstStyle>
           <a:p>
-            <a:pPr/>
             <a:r>
               <a:t>Attribution</a:t>
             </a:r>
@@ -1158,7 +1158,9 @@
       <p:sp>
         <p:nvSpPr>
           <p:cNvPr id="116" name="Body Level One…"/>
-          <p:cNvSpPr txBox="1"/>
+          <p:cNvSpPr txBox="1">
+            <a:spLocks noGrp="1"/>
+          </p:cNvSpPr>
           <p:nvPr>
             <p:ph type="body" sz="half" idx="1" hasCustomPrompt="1"/>
           </p:nvPr>
@@ -1181,7 +1183,7 @@
               </a:spcBef>
               <a:buSzTx/>
               <a:buNone/>
-              <a:defRPr spc="-170" sz="8500">
+              <a:defRPr sz="8500" spc="-170">
                 <a:latin typeface="Helvetica Neue Medium"/>
                 <a:ea typeface="Helvetica Neue Medium"/>
                 <a:cs typeface="Helvetica Neue Medium"/>
@@ -1194,7 +1196,7 @@
               </a:spcBef>
               <a:buSzTx/>
               <a:buNone/>
-              <a:defRPr spc="-170" sz="8500">
+              <a:defRPr sz="8500" spc="-170">
                 <a:latin typeface="Helvetica Neue Medium"/>
                 <a:ea typeface="Helvetica Neue Medium"/>
                 <a:cs typeface="Helvetica Neue Medium"/>
@@ -1207,7 +1209,7 @@
               </a:spcBef>
               <a:buSzTx/>
               <a:buNone/>
-              <a:defRPr spc="-170" sz="8500">
+              <a:defRPr sz="8500" spc="-170">
                 <a:latin typeface="Helvetica Neue Medium"/>
                 <a:ea typeface="Helvetica Neue Medium"/>
                 <a:cs typeface="Helvetica Neue Medium"/>
@@ -1220,7 +1222,7 @@
               </a:spcBef>
               <a:buSzTx/>
               <a:buNone/>
-              <a:defRPr spc="-170" sz="8500">
+              <a:defRPr sz="8500" spc="-170">
                 <a:latin typeface="Helvetica Neue Medium"/>
                 <a:ea typeface="Helvetica Neue Medium"/>
                 <a:cs typeface="Helvetica Neue Medium"/>
@@ -1233,7 +1235,7 @@
               </a:spcBef>
               <a:buSzTx/>
               <a:buNone/>
-              <a:defRPr spc="-170" sz="8500">
+              <a:defRPr sz="8500" spc="-170">
                 <a:latin typeface="Helvetica Neue Medium"/>
                 <a:ea typeface="Helvetica Neue Medium"/>
                 <a:cs typeface="Helvetica Neue Medium"/>
@@ -1242,41 +1244,34 @@
             </a:lvl5pPr>
           </a:lstStyle>
           <a:p>
-            <a:pPr/>
             <a:r>
               <a:t>“Notable Quote”</a:t>
             </a:r>
           </a:p>
           <a:p>
             <a:pPr lvl="1"/>
-            <a:r>
-              <a:t/>
-            </a:r>
+            <a:endParaRPr/>
           </a:p>
           <a:p>
             <a:pPr lvl="2"/>
-            <a:r>
-              <a:t/>
-            </a:r>
+            <a:endParaRPr/>
           </a:p>
           <a:p>
             <a:pPr lvl="3"/>
-            <a:r>
-              <a:t/>
-            </a:r>
+            <a:endParaRPr/>
           </a:p>
           <a:p>
             <a:pPr lvl="4"/>
-            <a:r>
-              <a:t/>
-            </a:r>
+            <a:endParaRPr/>
           </a:p>
         </p:txBody>
       </p:sp>
       <p:sp>
         <p:nvSpPr>
           <p:cNvPr id="117" name="Slide Number"/>
-          <p:cNvSpPr txBox="1"/>
+          <p:cNvSpPr txBox="1">
+            <a:spLocks noGrp="1"/>
+          </p:cNvSpPr>
           <p:nvPr>
             <p:ph type="sldNum" sz="quarter" idx="2"/>
           </p:nvPr>
@@ -1290,8 +1285,10 @@
           <a:bodyPr/>
           <a:lstStyle/>
           <a:p>
-            <a:pPr/>
-            <a:fld id="{86CB4B4D-7CA3-9044-876B-883B54F8677D}" type="slidenum"/>
+            <a:fld id="{86CB4B4D-7CA3-9044-876B-883B54F8677D}" type="slidenum">
+              <a:t>‹#›</a:t>
+            </a:fld>
+            <a:endParaRPr/>
           </a:p>
         </p:txBody>
       </p:sp>
@@ -1300,12 +1297,12 @@
   <p:clrMapOvr>
     <a:masterClrMapping/>
   </p:clrMapOvr>
-  <p:transition xmlns:p14="http://schemas.microsoft.com/office/powerpoint/2010/main" spd="med" advClick="1"/>
+  <p:transition spd="med"/>
 </p:sldLayout>
 </file>
 
 <file path=ppt/slideLayouts/slideLayout13.xml><?xml version="1.0" encoding="utf-8"?>
-<p:sldLayout xmlns:a="http://schemas.openxmlformats.org/drawingml/2006/main" xmlns:r="http://schemas.openxmlformats.org/officeDocument/2006/relationships" xmlns:p="http://schemas.openxmlformats.org/presentationml/2006/main" xmlns:m="http://schemas.openxmlformats.org/officeDocument/2006/math" xmlns:a14="http://schemas.microsoft.com/office/drawing/2010/main" type="tx" showMasterSp="1" showMasterPhAnim="1">
+<p:sldLayout xmlns:a="http://schemas.openxmlformats.org/drawingml/2006/main" xmlns:r="http://schemas.openxmlformats.org/officeDocument/2006/relationships" xmlns:p="http://schemas.openxmlformats.org/presentationml/2006/main" type="tx">
   <p:cSld name="Photo - 3 Up">
     <p:spTree>
       <p:nvGrpSpPr>
@@ -1324,7 +1321,9 @@
       <p:sp>
         <p:nvSpPr>
           <p:cNvPr id="124" name="Bowl of salad with fried rice, boiled eggs, and chopsticks"/>
-          <p:cNvSpPr/>
+          <p:cNvSpPr>
+            <a:spLocks noGrp="1"/>
+          </p:cNvSpPr>
           <p:nvPr>
             <p:ph type="pic" sz="quarter" idx="21"/>
           </p:nvPr>
@@ -1344,14 +1343,16 @@
           </a:bodyPr>
           <a:lstStyle/>
           <a:p>
-            <a:pPr/>
+            <a:endParaRPr/>
           </a:p>
         </p:txBody>
       </p:sp>
       <p:sp>
         <p:nvSpPr>
           <p:cNvPr id="125" name="Bowl with salmon cakes, salad, and hummus "/>
-          <p:cNvSpPr/>
+          <p:cNvSpPr>
+            <a:spLocks noGrp="1"/>
+          </p:cNvSpPr>
           <p:nvPr>
             <p:ph type="pic" sz="half" idx="22"/>
           </p:nvPr>
@@ -1371,14 +1372,16 @@
           </a:bodyPr>
           <a:lstStyle/>
           <a:p>
-            <a:pPr/>
+            <a:endParaRPr/>
           </a:p>
         </p:txBody>
       </p:sp>
       <p:sp>
         <p:nvSpPr>
           <p:cNvPr id="126" name="Bowl of pappardelle pasta with parsley butter, roasted hazelnuts, and shaved parmesan cheese"/>
-          <p:cNvSpPr/>
+          <p:cNvSpPr>
+            <a:spLocks noGrp="1"/>
+          </p:cNvSpPr>
           <p:nvPr>
             <p:ph type="pic" idx="23"/>
           </p:nvPr>
@@ -1398,14 +1401,16 @@
           </a:bodyPr>
           <a:lstStyle/>
           <a:p>
-            <a:pPr/>
+            <a:endParaRPr/>
           </a:p>
         </p:txBody>
       </p:sp>
       <p:sp>
         <p:nvSpPr>
           <p:cNvPr id="127" name="Slide Number"/>
-          <p:cNvSpPr txBox="1"/>
+          <p:cNvSpPr txBox="1">
+            <a:spLocks noGrp="1"/>
+          </p:cNvSpPr>
           <p:nvPr>
             <p:ph type="sldNum" sz="quarter" idx="2"/>
           </p:nvPr>
@@ -1419,8 +1424,10 @@
           <a:bodyPr/>
           <a:lstStyle/>
           <a:p>
-            <a:pPr/>
-            <a:fld id="{86CB4B4D-7CA3-9044-876B-883B54F8677D}" type="slidenum"/>
+            <a:fld id="{86CB4B4D-7CA3-9044-876B-883B54F8677D}" type="slidenum">
+              <a:t>‹#›</a:t>
+            </a:fld>
+            <a:endParaRPr/>
           </a:p>
         </p:txBody>
       </p:sp>
@@ -1429,12 +1436,12 @@
   <p:clrMapOvr>
     <a:masterClrMapping/>
   </p:clrMapOvr>
-  <p:transition xmlns:p14="http://schemas.microsoft.com/office/powerpoint/2010/main" spd="med" advClick="1"/>
+  <p:transition spd="med"/>
 </p:sldLayout>
 </file>
 
 <file path=ppt/slideLayouts/slideLayout14.xml><?xml version="1.0" encoding="utf-8"?>
-<p:sldLayout xmlns:a="http://schemas.openxmlformats.org/drawingml/2006/main" xmlns:r="http://schemas.openxmlformats.org/officeDocument/2006/relationships" xmlns:p="http://schemas.openxmlformats.org/presentationml/2006/main" xmlns:m="http://schemas.openxmlformats.org/officeDocument/2006/math" xmlns:a14="http://schemas.microsoft.com/office/drawing/2010/main" type="tx" showMasterSp="1" showMasterPhAnim="1">
+<p:sldLayout xmlns:a="http://schemas.openxmlformats.org/drawingml/2006/main" xmlns:r="http://schemas.openxmlformats.org/officeDocument/2006/relationships" xmlns:p="http://schemas.openxmlformats.org/presentationml/2006/main" type="tx">
   <p:cSld name="Photo">
     <p:spTree>
       <p:nvGrpSpPr>
@@ -1453,7 +1460,9 @@
       <p:sp>
         <p:nvSpPr>
           <p:cNvPr id="134" name="bowl of salad with fried rice, boiled eggs, and chopsticks"/>
-          <p:cNvSpPr/>
+          <p:cNvSpPr>
+            <a:spLocks noGrp="1"/>
+          </p:cNvSpPr>
           <p:nvPr>
             <p:ph type="pic" idx="21"/>
           </p:nvPr>
@@ -1473,14 +1482,16 @@
           </a:bodyPr>
           <a:lstStyle/>
           <a:p>
-            <a:pPr/>
+            <a:endParaRPr/>
           </a:p>
         </p:txBody>
       </p:sp>
       <p:sp>
         <p:nvSpPr>
           <p:cNvPr id="135" name="Slide Number"/>
-          <p:cNvSpPr txBox="1"/>
+          <p:cNvSpPr txBox="1">
+            <a:spLocks noGrp="1"/>
+          </p:cNvSpPr>
           <p:nvPr>
             <p:ph type="sldNum" sz="quarter" idx="2"/>
           </p:nvPr>
@@ -1502,8 +1513,10 @@
             </a:lvl1pPr>
           </a:lstStyle>
           <a:p>
-            <a:pPr/>
-            <a:fld id="{86CB4B4D-7CA3-9044-876B-883B54F8677D}" type="slidenum"/>
+            <a:fld id="{86CB4B4D-7CA3-9044-876B-883B54F8677D}" type="slidenum">
+              <a:t>‹#›</a:t>
+            </a:fld>
+            <a:endParaRPr/>
           </a:p>
         </p:txBody>
       </p:sp>
@@ -1512,12 +1525,12 @@
   <p:clrMapOvr>
     <a:masterClrMapping/>
   </p:clrMapOvr>
-  <p:transition xmlns:p14="http://schemas.microsoft.com/office/powerpoint/2010/main" spd="med" advClick="1"/>
+  <p:transition spd="med"/>
 </p:sldLayout>
 </file>
 
 <file path=ppt/slideLayouts/slideLayout15.xml><?xml version="1.0" encoding="utf-8"?>
-<p:sldLayout xmlns:a="http://schemas.openxmlformats.org/drawingml/2006/main" xmlns:r="http://schemas.openxmlformats.org/officeDocument/2006/relationships" xmlns:p="http://schemas.openxmlformats.org/presentationml/2006/main" xmlns:m="http://schemas.openxmlformats.org/officeDocument/2006/math" xmlns:a14="http://schemas.microsoft.com/office/drawing/2010/main" type="tx" showMasterSp="1" showMasterPhAnim="1">
+<p:sldLayout xmlns:a="http://schemas.openxmlformats.org/drawingml/2006/main" xmlns:r="http://schemas.openxmlformats.org/officeDocument/2006/relationships" xmlns:p="http://schemas.openxmlformats.org/presentationml/2006/main" type="tx">
   <p:cSld name="Blank">
     <p:spTree>
       <p:nvGrpSpPr>
@@ -1536,7 +1549,9 @@
       <p:sp>
         <p:nvSpPr>
           <p:cNvPr id="142" name="Slide Number"/>
-          <p:cNvSpPr txBox="1"/>
+          <p:cNvSpPr txBox="1">
+            <a:spLocks noGrp="1"/>
+          </p:cNvSpPr>
           <p:nvPr>
             <p:ph type="sldNum" sz="quarter" idx="2"/>
           </p:nvPr>
@@ -1550,8 +1565,10 @@
           <a:bodyPr/>
           <a:lstStyle/>
           <a:p>
-            <a:pPr/>
-            <a:fld id="{86CB4B4D-7CA3-9044-876B-883B54F8677D}" type="slidenum"/>
+            <a:fld id="{86CB4B4D-7CA3-9044-876B-883B54F8677D}" type="slidenum">
+              <a:t>‹#›</a:t>
+            </a:fld>
+            <a:endParaRPr/>
           </a:p>
         </p:txBody>
       </p:sp>
@@ -1560,12 +1577,12 @@
   <p:clrMapOvr>
     <a:masterClrMapping/>
   </p:clrMapOvr>
-  <p:transition xmlns:p14="http://schemas.microsoft.com/office/powerpoint/2010/main" spd="med" advClick="1"/>
+  <p:transition spd="med"/>
 </p:sldLayout>
 </file>
 
 <file path=ppt/slideLayouts/slideLayout16.xml><?xml version="1.0" encoding="utf-8"?>
-<p:sldLayout xmlns:a="http://schemas.openxmlformats.org/drawingml/2006/main" xmlns:r="http://schemas.openxmlformats.org/officeDocument/2006/relationships" xmlns:p="http://schemas.openxmlformats.org/presentationml/2006/main" xmlns:m="http://schemas.openxmlformats.org/officeDocument/2006/math" xmlns:a14="http://schemas.microsoft.com/office/drawing/2010/main" type="tx" showMasterSp="1" showMasterPhAnim="1">
+<p:sldLayout xmlns:a="http://schemas.openxmlformats.org/drawingml/2006/main" xmlns:r="http://schemas.openxmlformats.org/officeDocument/2006/relationships" xmlns:p="http://schemas.openxmlformats.org/presentationml/2006/main" type="tx">
   <p:cSld name="标题和内容">
     <p:spTree>
       <p:nvGrpSpPr>
@@ -1584,7 +1601,9 @@
       <p:sp>
         <p:nvSpPr>
           <p:cNvPr id="149" name="Title Text"/>
-          <p:cNvSpPr txBox="1"/>
+          <p:cNvSpPr txBox="1">
+            <a:spLocks noGrp="1"/>
+          </p:cNvSpPr>
           <p:nvPr>
             <p:ph type="title"/>
           </p:nvPr>
@@ -1605,7 +1624,7 @@
               <a:lnSpc>
                 <a:spcPct val="90000"/>
               </a:lnSpc>
-              <a:defRPr b="0" spc="0" sz="8800">
+              <a:defRPr sz="8800" b="0" spc="0">
                 <a:latin typeface="等线 Light"/>
                 <a:ea typeface="等线 Light"/>
                 <a:cs typeface="等线 Light"/>
@@ -1614,7 +1633,6 @@
             </a:lvl1pPr>
           </a:lstStyle>
           <a:p>
-            <a:pPr/>
             <a:r>
               <a:t>Title Text</a:t>
             </a:r>
@@ -1624,7 +1642,9 @@
       <p:sp>
         <p:nvSpPr>
           <p:cNvPr id="150" name="Body Level One…"/>
-          <p:cNvSpPr txBox="1"/>
+          <p:cNvSpPr txBox="1">
+            <a:spLocks noGrp="1"/>
+          </p:cNvSpPr>
           <p:nvPr>
             <p:ph type="body" idx="1"/>
           </p:nvPr>
@@ -1708,7 +1728,6 @@
             </a:lvl5pPr>
           </a:lstStyle>
           <a:p>
-            <a:pPr/>
             <a:r>
               <a:t>Body Level One</a:t>
             </a:r>
@@ -1742,7 +1761,9 @@
       <p:sp>
         <p:nvSpPr>
           <p:cNvPr id="151" name="Slide Number"/>
-          <p:cNvSpPr txBox="1"/>
+          <p:cNvSpPr txBox="1">
+            <a:spLocks noGrp="1"/>
+          </p:cNvSpPr>
           <p:nvPr>
             <p:ph type="sldNum" sz="quarter" idx="2"/>
           </p:nvPr>
@@ -1772,8 +1793,10 @@
             </a:lvl1pPr>
           </a:lstStyle>
           <a:p>
-            <a:pPr/>
-            <a:fld id="{86CB4B4D-7CA3-9044-876B-883B54F8677D}" type="slidenum"/>
+            <a:fld id="{86CB4B4D-7CA3-9044-876B-883B54F8677D}" type="slidenum">
+              <a:t>‹#›</a:t>
+            </a:fld>
+            <a:endParaRPr/>
           </a:p>
         </p:txBody>
       </p:sp>
@@ -1782,12 +1805,12 @@
   <p:clrMapOvr>
     <a:masterClrMapping/>
   </p:clrMapOvr>
-  <p:transition xmlns:p14="http://schemas.microsoft.com/office/powerpoint/2010/main" spd="med" advClick="1"/>
+  <p:transition spd="med"/>
 </p:sldLayout>
 </file>
 
 <file path=ppt/slideLayouts/slideLayout2.xml><?xml version="1.0" encoding="utf-8"?>
-<p:sldLayout xmlns:a="http://schemas.openxmlformats.org/drawingml/2006/main" xmlns:r="http://schemas.openxmlformats.org/officeDocument/2006/relationships" xmlns:p="http://schemas.openxmlformats.org/presentationml/2006/main" xmlns:m="http://schemas.openxmlformats.org/officeDocument/2006/math" xmlns:a14="http://schemas.microsoft.com/office/drawing/2010/main" type="tx" showMasterSp="1" showMasterPhAnim="1">
+<p:sldLayout xmlns:a="http://schemas.openxmlformats.org/drawingml/2006/main" xmlns:r="http://schemas.openxmlformats.org/officeDocument/2006/relationships" xmlns:p="http://schemas.openxmlformats.org/presentationml/2006/main" type="tx">
   <p:cSld name="Title &amp; Photo">
     <p:spTree>
       <p:nvGrpSpPr>
@@ -1806,7 +1829,9 @@
       <p:sp>
         <p:nvSpPr>
           <p:cNvPr id="21" name="Avocados and limes"/>
-          <p:cNvSpPr/>
+          <p:cNvSpPr>
+            <a:spLocks noGrp="1"/>
+          </p:cNvSpPr>
           <p:nvPr>
             <p:ph type="pic" idx="21"/>
           </p:nvPr>
@@ -1826,14 +1851,16 @@
           </a:bodyPr>
           <a:lstStyle/>
           <a:p>
-            <a:pPr/>
+            <a:endParaRPr/>
           </a:p>
         </p:txBody>
       </p:sp>
       <p:sp>
         <p:nvSpPr>
           <p:cNvPr id="22" name="Presentation Title"/>
-          <p:cNvSpPr txBox="1"/>
+          <p:cNvSpPr txBox="1">
+            <a:spLocks noGrp="1"/>
+          </p:cNvSpPr>
           <p:nvPr>
             <p:ph type="title" hasCustomPrompt="1"/>
           </p:nvPr>
@@ -1851,11 +1878,10 @@
           <a:bodyPr anchor="b"/>
           <a:lstStyle>
             <a:lvl1pPr>
-              <a:defRPr spc="-232" sz="11600"/>
+              <a:defRPr sz="11600" spc="-232"/>
             </a:lvl1pPr>
           </a:lstStyle>
           <a:p>
-            <a:pPr/>
             <a:r>
               <a:t>Presentation Title</a:t>
             </a:r>
@@ -1865,7 +1891,9 @@
       <p:sp>
         <p:nvSpPr>
           <p:cNvPr id="23" name="Author and Date"/>
-          <p:cNvSpPr txBox="1"/>
+          <p:cNvSpPr txBox="1">
+            <a:spLocks noGrp="1"/>
+          </p:cNvSpPr>
           <p:nvPr>
             <p:ph type="body" sz="quarter" idx="22" hasCustomPrompt="1"/>
           </p:nvPr>
@@ -1891,11 +1919,10 @@
               </a:spcBef>
               <a:buSzTx/>
               <a:buNone/>
-              <a:defRPr b="1" sz="3600"/>
+              <a:defRPr sz="3600" b="1"/>
             </a:lvl1pPr>
           </a:lstStyle>
           <a:p>
-            <a:pPr/>
             <a:r>
               <a:t>Author and Date</a:t>
             </a:r>
@@ -1905,7 +1932,9 @@
       <p:sp>
         <p:nvSpPr>
           <p:cNvPr id="24" name="Body Level One…"/>
-          <p:cNvSpPr txBox="1"/>
+          <p:cNvSpPr txBox="1">
+            <a:spLocks noGrp="1"/>
+          </p:cNvSpPr>
           <p:nvPr>
             <p:ph type="body" sz="quarter" idx="1" hasCustomPrompt="1"/>
           </p:nvPr>
@@ -1931,7 +1960,7 @@
               </a:spcBef>
               <a:buSzTx/>
               <a:buNone/>
-              <a:defRPr b="1" sz="5500"/>
+              <a:defRPr sz="5500" b="1"/>
             </a:lvl1pPr>
             <a:lvl2pPr marL="0" indent="457200" defTabSz="825500">
               <a:lnSpc>
@@ -1942,7 +1971,7 @@
               </a:spcBef>
               <a:buSzTx/>
               <a:buNone/>
-              <a:defRPr b="1" sz="5500"/>
+              <a:defRPr sz="5500" b="1"/>
             </a:lvl2pPr>
             <a:lvl3pPr marL="0" indent="914400" defTabSz="825500">
               <a:lnSpc>
@@ -1953,7 +1982,7 @@
               </a:spcBef>
               <a:buSzTx/>
               <a:buNone/>
-              <a:defRPr b="1" sz="5500"/>
+              <a:defRPr sz="5500" b="1"/>
             </a:lvl3pPr>
             <a:lvl4pPr marL="0" indent="1371600" defTabSz="825500">
               <a:lnSpc>
@@ -1964,7 +1993,7 @@
               </a:spcBef>
               <a:buSzTx/>
               <a:buNone/>
-              <a:defRPr b="1" sz="5500"/>
+              <a:defRPr sz="5500" b="1"/>
             </a:lvl4pPr>
             <a:lvl5pPr marL="0" indent="1828800" defTabSz="825500">
               <a:lnSpc>
@@ -1975,45 +2004,38 @@
               </a:spcBef>
               <a:buSzTx/>
               <a:buNone/>
-              <a:defRPr b="1" sz="5500"/>
+              <a:defRPr sz="5500" b="1"/>
             </a:lvl5pPr>
           </a:lstStyle>
           <a:p>
-            <a:pPr/>
             <a:r>
               <a:t>Presentation Subtitle</a:t>
             </a:r>
           </a:p>
           <a:p>
             <a:pPr lvl="1"/>
-            <a:r>
-              <a:t/>
-            </a:r>
+            <a:endParaRPr/>
           </a:p>
           <a:p>
             <a:pPr lvl="2"/>
-            <a:r>
-              <a:t/>
-            </a:r>
+            <a:endParaRPr/>
           </a:p>
           <a:p>
             <a:pPr lvl="3"/>
-            <a:r>
-              <a:t/>
-            </a:r>
+            <a:endParaRPr/>
           </a:p>
           <a:p>
             <a:pPr lvl="4"/>
-            <a:r>
-              <a:t/>
-            </a:r>
+            <a:endParaRPr/>
           </a:p>
         </p:txBody>
       </p:sp>
       <p:sp>
         <p:nvSpPr>
           <p:cNvPr id="25" name="Slide Number"/>
-          <p:cNvSpPr txBox="1"/>
+          <p:cNvSpPr txBox="1">
+            <a:spLocks noGrp="1"/>
+          </p:cNvSpPr>
           <p:nvPr>
             <p:ph type="sldNum" sz="quarter" idx="2"/>
           </p:nvPr>
@@ -2027,8 +2049,10 @@
           <a:bodyPr/>
           <a:lstStyle/>
           <a:p>
-            <a:pPr/>
-            <a:fld id="{86CB4B4D-7CA3-9044-876B-883B54F8677D}" type="slidenum"/>
+            <a:fld id="{86CB4B4D-7CA3-9044-876B-883B54F8677D}" type="slidenum">
+              <a:t>‹#›</a:t>
+            </a:fld>
+            <a:endParaRPr/>
           </a:p>
         </p:txBody>
       </p:sp>
@@ -2037,12 +2061,12 @@
   <p:clrMapOvr>
     <a:masterClrMapping/>
   </p:clrMapOvr>
-  <p:transition xmlns:p14="http://schemas.microsoft.com/office/powerpoint/2010/main" spd="med" advClick="1"/>
+  <p:transition spd="med"/>
 </p:sldLayout>
 </file>
 
 <file path=ppt/slideLayouts/slideLayout3.xml><?xml version="1.0" encoding="utf-8"?>
-<p:sldLayout xmlns:a="http://schemas.openxmlformats.org/drawingml/2006/main" xmlns:r="http://schemas.openxmlformats.org/officeDocument/2006/relationships" xmlns:p="http://schemas.openxmlformats.org/presentationml/2006/main" xmlns:m="http://schemas.openxmlformats.org/officeDocument/2006/math" xmlns:a14="http://schemas.microsoft.com/office/drawing/2010/main" type="tx" showMasterSp="1" showMasterPhAnim="1">
+<p:sldLayout xmlns:a="http://schemas.openxmlformats.org/drawingml/2006/main" xmlns:r="http://schemas.openxmlformats.org/officeDocument/2006/relationships" xmlns:p="http://schemas.openxmlformats.org/presentationml/2006/main" type="tx">
   <p:cSld name="Title &amp; Photo Alt">
     <p:spTree>
       <p:nvGrpSpPr>
@@ -2061,7 +2085,9 @@
       <p:sp>
         <p:nvSpPr>
           <p:cNvPr id="32" name="Bowl with salmon cakes, salad, and hummus"/>
-          <p:cNvSpPr/>
+          <p:cNvSpPr>
+            <a:spLocks noGrp="1"/>
+          </p:cNvSpPr>
           <p:nvPr>
             <p:ph type="pic" idx="21"/>
           </p:nvPr>
@@ -2081,14 +2107,16 @@
           </a:bodyPr>
           <a:lstStyle/>
           <a:p>
-            <a:pPr/>
+            <a:endParaRPr/>
           </a:p>
         </p:txBody>
       </p:sp>
       <p:sp>
         <p:nvSpPr>
           <p:cNvPr id="33" name="Slide Title"/>
-          <p:cNvSpPr txBox="1"/>
+          <p:cNvSpPr txBox="1">
+            <a:spLocks noGrp="1"/>
+          </p:cNvSpPr>
           <p:nvPr>
             <p:ph type="title" hasCustomPrompt="1"/>
           </p:nvPr>
@@ -2106,7 +2134,6 @@
           <a:bodyPr anchor="b"/>
           <a:lstStyle/>
           <a:p>
-            <a:pPr/>
             <a:r>
               <a:t>Slide Title</a:t>
             </a:r>
@@ -2116,7 +2143,9 @@
       <p:sp>
         <p:nvSpPr>
           <p:cNvPr id="34" name="Body Level One…"/>
-          <p:cNvSpPr txBox="1"/>
+          <p:cNvSpPr txBox="1">
+            <a:spLocks noGrp="1"/>
+          </p:cNvSpPr>
           <p:nvPr>
             <p:ph type="body" sz="quarter" idx="1" hasCustomPrompt="1"/>
           </p:nvPr>
@@ -2142,7 +2171,7 @@
               </a:spcBef>
               <a:buSzTx/>
               <a:buNone/>
-              <a:defRPr b="1" sz="5500"/>
+              <a:defRPr sz="5500" b="1"/>
             </a:lvl1pPr>
             <a:lvl2pPr marL="0" indent="457200" defTabSz="825500">
               <a:lnSpc>
@@ -2153,7 +2182,7 @@
               </a:spcBef>
               <a:buSzTx/>
               <a:buNone/>
-              <a:defRPr b="1" sz="5500"/>
+              <a:defRPr sz="5500" b="1"/>
             </a:lvl2pPr>
             <a:lvl3pPr marL="0" indent="914400" defTabSz="825500">
               <a:lnSpc>
@@ -2164,7 +2193,7 @@
               </a:spcBef>
               <a:buSzTx/>
               <a:buNone/>
-              <a:defRPr b="1" sz="5500"/>
+              <a:defRPr sz="5500" b="1"/>
             </a:lvl3pPr>
             <a:lvl4pPr marL="0" indent="1371600" defTabSz="825500">
               <a:lnSpc>
@@ -2175,7 +2204,7 @@
               </a:spcBef>
               <a:buSzTx/>
               <a:buNone/>
-              <a:defRPr b="1" sz="5500"/>
+              <a:defRPr sz="5500" b="1"/>
             </a:lvl4pPr>
             <a:lvl5pPr marL="0" indent="1828800" defTabSz="825500">
               <a:lnSpc>
@@ -2186,45 +2215,38 @@
               </a:spcBef>
               <a:buSzTx/>
               <a:buNone/>
-              <a:defRPr b="1" sz="5500"/>
+              <a:defRPr sz="5500" b="1"/>
             </a:lvl5pPr>
           </a:lstStyle>
           <a:p>
-            <a:pPr/>
             <a:r>
               <a:t>Slide Subtitle</a:t>
             </a:r>
           </a:p>
           <a:p>
             <a:pPr lvl="1"/>
-            <a:r>
-              <a:t/>
-            </a:r>
+            <a:endParaRPr/>
           </a:p>
           <a:p>
             <a:pPr lvl="2"/>
-            <a:r>
-              <a:t/>
-            </a:r>
+            <a:endParaRPr/>
           </a:p>
           <a:p>
             <a:pPr lvl="3"/>
-            <a:r>
-              <a:t/>
-            </a:r>
+            <a:endParaRPr/>
           </a:p>
           <a:p>
             <a:pPr lvl="4"/>
-            <a:r>
-              <a:t/>
-            </a:r>
+            <a:endParaRPr/>
           </a:p>
         </p:txBody>
       </p:sp>
       <p:sp>
         <p:nvSpPr>
           <p:cNvPr id="35" name="Slide Number"/>
-          <p:cNvSpPr txBox="1"/>
+          <p:cNvSpPr txBox="1">
+            <a:spLocks noGrp="1"/>
+          </p:cNvSpPr>
           <p:nvPr>
             <p:ph type="sldNum" sz="quarter" idx="2"/>
           </p:nvPr>
@@ -2242,8 +2264,10 @@
           <a:bodyPr/>
           <a:lstStyle/>
           <a:p>
-            <a:pPr/>
-            <a:fld id="{86CB4B4D-7CA3-9044-876B-883B54F8677D}" type="slidenum"/>
+            <a:fld id="{86CB4B4D-7CA3-9044-876B-883B54F8677D}" type="slidenum">
+              <a:t>‹#›</a:t>
+            </a:fld>
+            <a:endParaRPr/>
           </a:p>
         </p:txBody>
       </p:sp>
@@ -2252,12 +2276,12 @@
   <p:clrMapOvr>
     <a:masterClrMapping/>
   </p:clrMapOvr>
-  <p:transition xmlns:p14="http://schemas.microsoft.com/office/powerpoint/2010/main" spd="med" advClick="1"/>
+  <p:transition spd="med"/>
 </p:sldLayout>
 </file>
 
 <file path=ppt/slideLayouts/slideLayout4.xml><?xml version="1.0" encoding="utf-8"?>
-<p:sldLayout xmlns:a="http://schemas.openxmlformats.org/drawingml/2006/main" xmlns:r="http://schemas.openxmlformats.org/officeDocument/2006/relationships" xmlns:p="http://schemas.openxmlformats.org/presentationml/2006/main" xmlns:m="http://schemas.openxmlformats.org/officeDocument/2006/math" xmlns:a14="http://schemas.microsoft.com/office/drawing/2010/main" type="tx" showMasterSp="1" showMasterPhAnim="1">
+<p:sldLayout xmlns:a="http://schemas.openxmlformats.org/drawingml/2006/main" xmlns:r="http://schemas.openxmlformats.org/officeDocument/2006/relationships" xmlns:p="http://schemas.openxmlformats.org/presentationml/2006/main" type="tx">
   <p:cSld name="Title &amp; Bullets">
     <p:spTree>
       <p:nvGrpSpPr>
@@ -2276,7 +2300,9 @@
       <p:sp>
         <p:nvSpPr>
           <p:cNvPr id="42" name="Slide Title"/>
-          <p:cNvSpPr txBox="1"/>
+          <p:cNvSpPr txBox="1">
+            <a:spLocks noGrp="1"/>
+          </p:cNvSpPr>
           <p:nvPr>
             <p:ph type="title" hasCustomPrompt="1"/>
           </p:nvPr>
@@ -2290,7 +2316,6 @@
           <a:bodyPr/>
           <a:lstStyle/>
           <a:p>
-            <a:pPr/>
             <a:r>
               <a:t>Slide Title</a:t>
             </a:r>
@@ -2300,7 +2325,9 @@
       <p:sp>
         <p:nvSpPr>
           <p:cNvPr id="43" name="Slide Subtitle"/>
-          <p:cNvSpPr txBox="1"/>
+          <p:cNvSpPr txBox="1">
+            <a:spLocks noGrp="1"/>
+          </p:cNvSpPr>
           <p:nvPr>
             <p:ph type="body" sz="quarter" idx="21" hasCustomPrompt="1"/>
           </p:nvPr>
@@ -2326,11 +2353,10 @@
               </a:spcBef>
               <a:buSzTx/>
               <a:buNone/>
-              <a:defRPr b="1" sz="5500"/>
+              <a:defRPr sz="5500" b="1"/>
             </a:lvl1pPr>
           </a:lstStyle>
           <a:p>
-            <a:pPr/>
             <a:r>
               <a:t>Slide Subtitle</a:t>
             </a:r>
@@ -2340,7 +2366,9 @@
       <p:sp>
         <p:nvSpPr>
           <p:cNvPr id="44" name="Body Level One…"/>
-          <p:cNvSpPr txBox="1"/>
+          <p:cNvSpPr txBox="1">
+            <a:spLocks noGrp="1"/>
+          </p:cNvSpPr>
           <p:nvPr>
             <p:ph type="body" idx="1" hasCustomPrompt="1"/>
           </p:nvPr>
@@ -2354,41 +2382,34 @@
           <a:bodyPr/>
           <a:lstStyle/>
           <a:p>
-            <a:pPr/>
             <a:r>
               <a:t>Slide bullet text</a:t>
             </a:r>
           </a:p>
           <a:p>
             <a:pPr lvl="1"/>
-            <a:r>
-              <a:t/>
-            </a:r>
+            <a:endParaRPr/>
           </a:p>
           <a:p>
             <a:pPr lvl="2"/>
-            <a:r>
-              <a:t/>
-            </a:r>
+            <a:endParaRPr/>
           </a:p>
           <a:p>
             <a:pPr lvl="3"/>
-            <a:r>
-              <a:t/>
-            </a:r>
+            <a:endParaRPr/>
           </a:p>
           <a:p>
             <a:pPr lvl="4"/>
-            <a:r>
-              <a:t/>
-            </a:r>
+            <a:endParaRPr/>
           </a:p>
         </p:txBody>
       </p:sp>
       <p:sp>
         <p:nvSpPr>
           <p:cNvPr id="45" name="Slide Number"/>
-          <p:cNvSpPr txBox="1"/>
+          <p:cNvSpPr txBox="1">
+            <a:spLocks noGrp="1"/>
+          </p:cNvSpPr>
           <p:nvPr>
             <p:ph type="sldNum" sz="quarter" idx="2"/>
           </p:nvPr>
@@ -2402,8 +2423,10 @@
           <a:bodyPr/>
           <a:lstStyle/>
           <a:p>
-            <a:pPr/>
-            <a:fld id="{86CB4B4D-7CA3-9044-876B-883B54F8677D}" type="slidenum"/>
+            <a:fld id="{86CB4B4D-7CA3-9044-876B-883B54F8677D}" type="slidenum">
+              <a:t>‹#›</a:t>
+            </a:fld>
+            <a:endParaRPr/>
           </a:p>
         </p:txBody>
       </p:sp>
@@ -2412,12 +2435,12 @@
   <p:clrMapOvr>
     <a:masterClrMapping/>
   </p:clrMapOvr>
-  <p:transition xmlns:p14="http://schemas.microsoft.com/office/powerpoint/2010/main" spd="med" advClick="1"/>
+  <p:transition spd="med"/>
 </p:sldLayout>
 </file>
 
 <file path=ppt/slideLayouts/slideLayout5.xml><?xml version="1.0" encoding="utf-8"?>
-<p:sldLayout xmlns:a="http://schemas.openxmlformats.org/drawingml/2006/main" xmlns:r="http://schemas.openxmlformats.org/officeDocument/2006/relationships" xmlns:p="http://schemas.openxmlformats.org/presentationml/2006/main" xmlns:m="http://schemas.openxmlformats.org/officeDocument/2006/math" xmlns:a14="http://schemas.microsoft.com/office/drawing/2010/main" type="tx" showMasterSp="1" showMasterPhAnim="1">
+<p:sldLayout xmlns:a="http://schemas.openxmlformats.org/drawingml/2006/main" xmlns:r="http://schemas.openxmlformats.org/officeDocument/2006/relationships" xmlns:p="http://schemas.openxmlformats.org/presentationml/2006/main" type="tx">
   <p:cSld name="Bullets">
     <p:spTree>
       <p:nvGrpSpPr>
@@ -2436,7 +2459,9 @@
       <p:sp>
         <p:nvSpPr>
           <p:cNvPr id="52" name="Body Level One…"/>
-          <p:cNvSpPr txBox="1"/>
+          <p:cNvSpPr txBox="1">
+            <a:spLocks noGrp="1"/>
+          </p:cNvSpPr>
           <p:nvPr>
             <p:ph type="body" idx="1" hasCustomPrompt="1"/>
           </p:nvPr>
@@ -2450,41 +2475,34 @@
           <a:bodyPr numCol="2" spcCol="1098550"/>
           <a:lstStyle/>
           <a:p>
-            <a:pPr/>
             <a:r>
               <a:t>Slide bullet text</a:t>
             </a:r>
           </a:p>
           <a:p>
             <a:pPr lvl="1"/>
-            <a:r>
-              <a:t/>
-            </a:r>
+            <a:endParaRPr/>
           </a:p>
           <a:p>
             <a:pPr lvl="2"/>
-            <a:r>
-              <a:t/>
-            </a:r>
+            <a:endParaRPr/>
           </a:p>
           <a:p>
             <a:pPr lvl="3"/>
-            <a:r>
-              <a:t/>
-            </a:r>
+            <a:endParaRPr/>
           </a:p>
           <a:p>
             <a:pPr lvl="4"/>
-            <a:r>
-              <a:t/>
-            </a:r>
+            <a:endParaRPr/>
           </a:p>
         </p:txBody>
       </p:sp>
       <p:sp>
         <p:nvSpPr>
           <p:cNvPr id="53" name="Slide Number"/>
-          <p:cNvSpPr txBox="1"/>
+          <p:cNvSpPr txBox="1">
+            <a:spLocks noGrp="1"/>
+          </p:cNvSpPr>
           <p:nvPr>
             <p:ph type="sldNum" sz="quarter" idx="2"/>
           </p:nvPr>
@@ -2498,8 +2516,10 @@
           <a:bodyPr/>
           <a:lstStyle/>
           <a:p>
-            <a:pPr/>
-            <a:fld id="{86CB4B4D-7CA3-9044-876B-883B54F8677D}" type="slidenum"/>
+            <a:fld id="{86CB4B4D-7CA3-9044-876B-883B54F8677D}" type="slidenum">
+              <a:t>‹#›</a:t>
+            </a:fld>
+            <a:endParaRPr/>
           </a:p>
         </p:txBody>
       </p:sp>
@@ -2508,12 +2528,12 @@
   <p:clrMapOvr>
     <a:masterClrMapping/>
   </p:clrMapOvr>
-  <p:transition xmlns:p14="http://schemas.microsoft.com/office/powerpoint/2010/main" spd="med" advClick="1"/>
+  <p:transition spd="med"/>
 </p:sldLayout>
 </file>
 
 <file path=ppt/slideLayouts/slideLayout6.xml><?xml version="1.0" encoding="utf-8"?>
-<p:sldLayout xmlns:a="http://schemas.openxmlformats.org/drawingml/2006/main" xmlns:r="http://schemas.openxmlformats.org/officeDocument/2006/relationships" xmlns:p="http://schemas.openxmlformats.org/presentationml/2006/main" xmlns:m="http://schemas.openxmlformats.org/officeDocument/2006/math" xmlns:a14="http://schemas.microsoft.com/office/drawing/2010/main" type="tx" showMasterSp="1" showMasterPhAnim="1">
+<p:sldLayout xmlns:a="http://schemas.openxmlformats.org/drawingml/2006/main" xmlns:r="http://schemas.openxmlformats.org/officeDocument/2006/relationships" xmlns:p="http://schemas.openxmlformats.org/presentationml/2006/main" type="tx">
   <p:cSld name="Title, Bullets &amp; Photo">
     <p:spTree>
       <p:nvGrpSpPr>
@@ -2532,7 +2552,9 @@
       <p:sp>
         <p:nvSpPr>
           <p:cNvPr id="60" name="Slide Subtitle"/>
-          <p:cNvSpPr txBox="1"/>
+          <p:cNvSpPr txBox="1">
+            <a:spLocks noGrp="1"/>
+          </p:cNvSpPr>
           <p:nvPr>
             <p:ph type="body" sz="quarter" idx="21" hasCustomPrompt="1"/>
           </p:nvPr>
@@ -2558,11 +2580,10 @@
               </a:spcBef>
               <a:buSzTx/>
               <a:buNone/>
-              <a:defRPr b="1" sz="5500"/>
+              <a:defRPr sz="5500" b="1"/>
             </a:lvl1pPr>
           </a:lstStyle>
           <a:p>
-            <a:pPr/>
             <a:r>
               <a:t>Slide Subtitle</a:t>
             </a:r>
@@ -2572,7 +2593,9 @@
       <p:sp>
         <p:nvSpPr>
           <p:cNvPr id="61" name="Body Level One…"/>
-          <p:cNvSpPr txBox="1"/>
+          <p:cNvSpPr txBox="1">
+            <a:spLocks noGrp="1"/>
+          </p:cNvSpPr>
           <p:nvPr>
             <p:ph type="body" sz="half" idx="1" hasCustomPrompt="1"/>
           </p:nvPr>
@@ -2590,41 +2613,34 @@
           <a:bodyPr/>
           <a:lstStyle/>
           <a:p>
-            <a:pPr/>
             <a:r>
               <a:t>Slide bullet text</a:t>
             </a:r>
           </a:p>
           <a:p>
             <a:pPr lvl="1"/>
-            <a:r>
-              <a:t/>
-            </a:r>
+            <a:endParaRPr/>
           </a:p>
           <a:p>
             <a:pPr lvl="2"/>
-            <a:r>
-              <a:t/>
-            </a:r>
+            <a:endParaRPr/>
           </a:p>
           <a:p>
             <a:pPr lvl="3"/>
-            <a:r>
-              <a:t/>
-            </a:r>
+            <a:endParaRPr/>
           </a:p>
           <a:p>
             <a:pPr lvl="4"/>
-            <a:r>
-              <a:t/>
-            </a:r>
+            <a:endParaRPr/>
           </a:p>
         </p:txBody>
       </p:sp>
       <p:sp>
         <p:nvSpPr>
           <p:cNvPr id="62" name="Bowl of pappardelle pasta with parsley butter, roasted hazelnuts, and shaved parmesan cheese"/>
-          <p:cNvSpPr/>
+          <p:cNvSpPr>
+            <a:spLocks noGrp="1"/>
+          </p:cNvSpPr>
           <p:nvPr>
             <p:ph type="pic" idx="22"/>
           </p:nvPr>
@@ -2644,14 +2660,16 @@
           </a:bodyPr>
           <a:lstStyle/>
           <a:p>
-            <a:pPr/>
+            <a:endParaRPr/>
           </a:p>
         </p:txBody>
       </p:sp>
       <p:sp>
         <p:nvSpPr>
           <p:cNvPr id="63" name="Slide Title"/>
-          <p:cNvSpPr txBox="1"/>
+          <p:cNvSpPr txBox="1">
+            <a:spLocks noGrp="1"/>
+          </p:cNvSpPr>
           <p:nvPr>
             <p:ph type="title" hasCustomPrompt="1"/>
           </p:nvPr>
@@ -2669,7 +2687,6 @@
           <a:bodyPr/>
           <a:lstStyle/>
           <a:p>
-            <a:pPr/>
             <a:r>
               <a:t>Slide Title</a:t>
             </a:r>
@@ -2679,7 +2696,9 @@
       <p:sp>
         <p:nvSpPr>
           <p:cNvPr id="64" name="Slide Number"/>
-          <p:cNvSpPr txBox="1"/>
+          <p:cNvSpPr txBox="1">
+            <a:spLocks noGrp="1"/>
+          </p:cNvSpPr>
           <p:nvPr>
             <p:ph type="sldNum" sz="quarter" idx="2"/>
           </p:nvPr>
@@ -2693,8 +2712,10 @@
           <a:bodyPr/>
           <a:lstStyle/>
           <a:p>
-            <a:pPr/>
-            <a:fld id="{86CB4B4D-7CA3-9044-876B-883B54F8677D}" type="slidenum"/>
+            <a:fld id="{86CB4B4D-7CA3-9044-876B-883B54F8677D}" type="slidenum">
+              <a:t>‹#›</a:t>
+            </a:fld>
+            <a:endParaRPr/>
           </a:p>
         </p:txBody>
       </p:sp>
@@ -2703,12 +2724,12 @@
   <p:clrMapOvr>
     <a:masterClrMapping/>
   </p:clrMapOvr>
-  <p:transition xmlns:p14="http://schemas.microsoft.com/office/powerpoint/2010/main" spd="med" advClick="1"/>
+  <p:transition spd="med"/>
 </p:sldLayout>
 </file>
 
 <file path=ppt/slideLayouts/slideLayout7.xml><?xml version="1.0" encoding="utf-8"?>
-<p:sldLayout xmlns:a="http://schemas.openxmlformats.org/drawingml/2006/main" xmlns:r="http://schemas.openxmlformats.org/officeDocument/2006/relationships" xmlns:p="http://schemas.openxmlformats.org/presentationml/2006/main" xmlns:m="http://schemas.openxmlformats.org/officeDocument/2006/math" xmlns:a14="http://schemas.microsoft.com/office/drawing/2010/main" type="tx" showMasterSp="1" showMasterPhAnim="1">
+<p:sldLayout xmlns:a="http://schemas.openxmlformats.org/drawingml/2006/main" xmlns:r="http://schemas.openxmlformats.org/officeDocument/2006/relationships" xmlns:p="http://schemas.openxmlformats.org/presentationml/2006/main" type="tx">
   <p:cSld name="Section">
     <p:spTree>
       <p:nvGrpSpPr>
@@ -2727,7 +2748,9 @@
       <p:sp>
         <p:nvSpPr>
           <p:cNvPr id="71" name="Section Title"/>
-          <p:cNvSpPr txBox="1"/>
+          <p:cNvSpPr txBox="1">
+            <a:spLocks noGrp="1"/>
+          </p:cNvSpPr>
           <p:nvPr>
             <p:ph type="title" hasCustomPrompt="1"/>
           </p:nvPr>
@@ -2745,7 +2768,7 @@
           <a:bodyPr anchor="ctr"/>
           <a:lstStyle>
             <a:lvl1pPr>
-              <a:defRPr b="0" spc="-232" sz="11600">
+              <a:defRPr sz="11600" b="0" spc="-232">
                 <a:latin typeface="Helvetica Neue Medium"/>
                 <a:ea typeface="Helvetica Neue Medium"/>
                 <a:cs typeface="Helvetica Neue Medium"/>
@@ -2754,7 +2777,6 @@
             </a:lvl1pPr>
           </a:lstStyle>
           <a:p>
-            <a:pPr/>
             <a:r>
               <a:t>Section Title</a:t>
             </a:r>
@@ -2764,7 +2786,9 @@
       <p:sp>
         <p:nvSpPr>
           <p:cNvPr id="72" name="Slide Number"/>
-          <p:cNvSpPr txBox="1"/>
+          <p:cNvSpPr txBox="1">
+            <a:spLocks noGrp="1"/>
+          </p:cNvSpPr>
           <p:nvPr>
             <p:ph type="sldNum" sz="quarter" idx="2"/>
           </p:nvPr>
@@ -2782,8 +2806,10 @@
           <a:bodyPr/>
           <a:lstStyle/>
           <a:p>
-            <a:pPr/>
-            <a:fld id="{86CB4B4D-7CA3-9044-876B-883B54F8677D}" type="slidenum"/>
+            <a:fld id="{86CB4B4D-7CA3-9044-876B-883B54F8677D}" type="slidenum">
+              <a:t>‹#›</a:t>
+            </a:fld>
+            <a:endParaRPr/>
           </a:p>
         </p:txBody>
       </p:sp>
@@ -2792,12 +2818,12 @@
   <p:clrMapOvr>
     <a:masterClrMapping/>
   </p:clrMapOvr>
-  <p:transition xmlns:p14="http://schemas.microsoft.com/office/powerpoint/2010/main" spd="med" advClick="1"/>
+  <p:transition spd="med"/>
 </p:sldLayout>
 </file>
 
 <file path=ppt/slideLayouts/slideLayout8.xml><?xml version="1.0" encoding="utf-8"?>
-<p:sldLayout xmlns:a="http://schemas.openxmlformats.org/drawingml/2006/main" xmlns:r="http://schemas.openxmlformats.org/officeDocument/2006/relationships" xmlns:p="http://schemas.openxmlformats.org/presentationml/2006/main" xmlns:m="http://schemas.openxmlformats.org/officeDocument/2006/math" xmlns:a14="http://schemas.microsoft.com/office/drawing/2010/main" type="tx" showMasterSp="1" showMasterPhAnim="1">
+<p:sldLayout xmlns:a="http://schemas.openxmlformats.org/drawingml/2006/main" xmlns:r="http://schemas.openxmlformats.org/officeDocument/2006/relationships" xmlns:p="http://schemas.openxmlformats.org/presentationml/2006/main" type="tx">
   <p:cSld name="Title Only">
     <p:spTree>
       <p:nvGrpSpPr>
@@ -2816,7 +2842,9 @@
       <p:sp>
         <p:nvSpPr>
           <p:cNvPr id="79" name="Slide Title"/>
-          <p:cNvSpPr txBox="1"/>
+          <p:cNvSpPr txBox="1">
+            <a:spLocks noGrp="1"/>
+          </p:cNvSpPr>
           <p:nvPr>
             <p:ph type="title" hasCustomPrompt="1"/>
           </p:nvPr>
@@ -2834,7 +2862,6 @@
           <a:bodyPr/>
           <a:lstStyle/>
           <a:p>
-            <a:pPr/>
             <a:r>
               <a:t>Slide Title</a:t>
             </a:r>
@@ -2844,7 +2871,9 @@
       <p:sp>
         <p:nvSpPr>
           <p:cNvPr id="80" name="Slide Subtitle"/>
-          <p:cNvSpPr txBox="1"/>
+          <p:cNvSpPr txBox="1">
+            <a:spLocks noGrp="1"/>
+          </p:cNvSpPr>
           <p:nvPr>
             <p:ph type="body" sz="quarter" idx="21" hasCustomPrompt="1"/>
           </p:nvPr>
@@ -2870,11 +2899,10 @@
               </a:spcBef>
               <a:buSzTx/>
               <a:buNone/>
-              <a:defRPr b="1" sz="5500"/>
+              <a:defRPr sz="5500" b="1"/>
             </a:lvl1pPr>
           </a:lstStyle>
           <a:p>
-            <a:pPr/>
             <a:r>
               <a:t>Slide Subtitle</a:t>
             </a:r>
@@ -2884,7 +2912,9 @@
       <p:sp>
         <p:nvSpPr>
           <p:cNvPr id="81" name="Slide Number"/>
-          <p:cNvSpPr txBox="1"/>
+          <p:cNvSpPr txBox="1">
+            <a:spLocks noGrp="1"/>
+          </p:cNvSpPr>
           <p:nvPr>
             <p:ph type="sldNum" sz="quarter" idx="2"/>
           </p:nvPr>
@@ -2898,8 +2928,10 @@
           <a:bodyPr/>
           <a:lstStyle/>
           <a:p>
-            <a:pPr/>
-            <a:fld id="{86CB4B4D-7CA3-9044-876B-883B54F8677D}" type="slidenum"/>
+            <a:fld id="{86CB4B4D-7CA3-9044-876B-883B54F8677D}" type="slidenum">
+              <a:t>‹#›</a:t>
+            </a:fld>
+            <a:endParaRPr/>
           </a:p>
         </p:txBody>
       </p:sp>
@@ -2908,12 +2940,12 @@
   <p:clrMapOvr>
     <a:masterClrMapping/>
   </p:clrMapOvr>
-  <p:transition xmlns:p14="http://schemas.microsoft.com/office/powerpoint/2010/main" spd="med" advClick="1"/>
+  <p:transition spd="med"/>
 </p:sldLayout>
 </file>
 
 <file path=ppt/slideLayouts/slideLayout9.xml><?xml version="1.0" encoding="utf-8"?>
-<p:sldLayout xmlns:a="http://schemas.openxmlformats.org/drawingml/2006/main" xmlns:r="http://schemas.openxmlformats.org/officeDocument/2006/relationships" xmlns:p="http://schemas.openxmlformats.org/presentationml/2006/main" xmlns:m="http://schemas.openxmlformats.org/officeDocument/2006/math" xmlns:a14="http://schemas.microsoft.com/office/drawing/2010/main" type="tx" showMasterSp="1" showMasterPhAnim="1">
+<p:sldLayout xmlns:a="http://schemas.openxmlformats.org/drawingml/2006/main" xmlns:r="http://schemas.openxmlformats.org/officeDocument/2006/relationships" xmlns:p="http://schemas.openxmlformats.org/presentationml/2006/main" type="tx">
   <p:cSld name="Agenda">
     <p:spTree>
       <p:nvGrpSpPr>
@@ -2932,7 +2964,9 @@
       <p:sp>
         <p:nvSpPr>
           <p:cNvPr id="88" name="Agenda Title"/>
-          <p:cNvSpPr txBox="1"/>
+          <p:cNvSpPr txBox="1">
+            <a:spLocks noGrp="1"/>
+          </p:cNvSpPr>
           <p:nvPr>
             <p:ph type="title" hasCustomPrompt="1"/>
           </p:nvPr>
@@ -2950,7 +2984,6 @@
           <a:bodyPr/>
           <a:lstStyle/>
           <a:p>
-            <a:pPr/>
             <a:r>
               <a:t>Agenda Title</a:t>
             </a:r>
@@ -2960,7 +2993,9 @@
       <p:sp>
         <p:nvSpPr>
           <p:cNvPr id="89" name="Agenda Subtitle"/>
-          <p:cNvSpPr txBox="1"/>
+          <p:cNvSpPr txBox="1">
+            <a:spLocks noGrp="1"/>
+          </p:cNvSpPr>
           <p:nvPr>
             <p:ph type="body" sz="quarter" idx="21" hasCustomPrompt="1"/>
           </p:nvPr>
@@ -2986,11 +3021,10 @@
               </a:spcBef>
               <a:buSzTx/>
               <a:buNone/>
-              <a:defRPr b="1" sz="5500"/>
+              <a:defRPr sz="5500" b="1"/>
             </a:lvl1pPr>
           </a:lstStyle>
           <a:p>
-            <a:pPr/>
             <a:r>
               <a:t>Agenda Subtitle</a:t>
             </a:r>
@@ -3000,7 +3034,9 @@
       <p:sp>
         <p:nvSpPr>
           <p:cNvPr id="90" name="Body Level One…"/>
-          <p:cNvSpPr txBox="1"/>
+          <p:cNvSpPr txBox="1">
+            <a:spLocks noGrp="1"/>
+          </p:cNvSpPr>
           <p:nvPr>
             <p:ph type="body" idx="1" hasCustomPrompt="1"/>
           </p:nvPr>
@@ -3022,7 +3058,7 @@
               </a:spcBef>
               <a:buSzTx/>
               <a:buNone/>
-              <a:defRPr spc="-55" sz="5500"/>
+              <a:defRPr sz="5500" spc="-55"/>
             </a:lvl1pPr>
             <a:lvl2pPr marL="0" indent="457200" defTabSz="825500">
               <a:lnSpc>
@@ -3033,7 +3069,7 @@
               </a:spcBef>
               <a:buSzTx/>
               <a:buNone/>
-              <a:defRPr spc="-55" sz="5500"/>
+              <a:defRPr sz="5500" spc="-55"/>
             </a:lvl2pPr>
             <a:lvl3pPr marL="0" indent="914400" defTabSz="825500">
               <a:lnSpc>
@@ -3044,7 +3080,7 @@
               </a:spcBef>
               <a:buSzTx/>
               <a:buNone/>
-              <a:defRPr spc="-55" sz="5500"/>
+              <a:defRPr sz="5500" spc="-55"/>
             </a:lvl3pPr>
             <a:lvl4pPr marL="0" indent="1371600" defTabSz="825500">
               <a:lnSpc>
@@ -3055,7 +3091,7 @@
               </a:spcBef>
               <a:buSzTx/>
               <a:buNone/>
-              <a:defRPr spc="-55" sz="5500"/>
+              <a:defRPr sz="5500" spc="-55"/>
             </a:lvl4pPr>
             <a:lvl5pPr marL="0" indent="1828800" defTabSz="825500">
               <a:lnSpc>
@@ -3066,45 +3102,38 @@
               </a:spcBef>
               <a:buSzTx/>
               <a:buNone/>
-              <a:defRPr spc="-55" sz="5500"/>
+              <a:defRPr sz="5500" spc="-55"/>
             </a:lvl5pPr>
           </a:lstStyle>
           <a:p>
-            <a:pPr/>
             <a:r>
               <a:t>Agenda Topics</a:t>
             </a:r>
           </a:p>
           <a:p>
             <a:pPr lvl="1"/>
-            <a:r>
-              <a:t/>
-            </a:r>
+            <a:endParaRPr/>
           </a:p>
           <a:p>
             <a:pPr lvl="2"/>
-            <a:r>
-              <a:t/>
-            </a:r>
+            <a:endParaRPr/>
           </a:p>
           <a:p>
             <a:pPr lvl="3"/>
-            <a:r>
-              <a:t/>
-            </a:r>
+            <a:endParaRPr/>
           </a:p>
           <a:p>
             <a:pPr lvl="4"/>
-            <a:r>
-              <a:t/>
-            </a:r>
+            <a:endParaRPr/>
           </a:p>
         </p:txBody>
       </p:sp>
       <p:sp>
         <p:nvSpPr>
           <p:cNvPr id="91" name="Slide Number"/>
-          <p:cNvSpPr txBox="1"/>
+          <p:cNvSpPr txBox="1">
+            <a:spLocks noGrp="1"/>
+          </p:cNvSpPr>
           <p:nvPr>
             <p:ph type="sldNum" sz="quarter" idx="2"/>
           </p:nvPr>
@@ -3118,8 +3147,10 @@
           <a:bodyPr/>
           <a:lstStyle/>
           <a:p>
-            <a:pPr/>
-            <a:fld id="{86CB4B4D-7CA3-9044-876B-883B54F8677D}" type="slidenum"/>
+            <a:fld id="{86CB4B4D-7CA3-9044-876B-883B54F8677D}" type="slidenum">
+              <a:t>‹#›</a:t>
+            </a:fld>
+            <a:endParaRPr/>
           </a:p>
         </p:txBody>
       </p:sp>
@@ -3128,18 +3159,19 @@
   <p:clrMapOvr>
     <a:masterClrMapping/>
   </p:clrMapOvr>
-  <p:transition xmlns:p14="http://schemas.microsoft.com/office/powerpoint/2010/main" spd="med" advClick="1"/>
+  <p:transition spd="med"/>
 </p:sldLayout>
 </file>
 
 <file path=ppt/slideMasters/slideMaster1.xml><?xml version="1.0" encoding="utf-8"?>
-<p:sldMaster xmlns:a="http://schemas.openxmlformats.org/drawingml/2006/main" xmlns:r="http://schemas.openxmlformats.org/officeDocument/2006/relationships" xmlns:p="http://schemas.openxmlformats.org/presentationml/2006/main" xmlns:m="http://schemas.openxmlformats.org/officeDocument/2006/math" xmlns:a14="http://schemas.microsoft.com/office/drawing/2010/main">
+<p:sldMaster xmlns:a="http://schemas.openxmlformats.org/drawingml/2006/main" xmlns:r="http://schemas.openxmlformats.org/officeDocument/2006/relationships" xmlns:p="http://schemas.openxmlformats.org/presentationml/2006/main">
   <p:cSld>
     <p:bg>
       <p:bgPr>
         <a:solidFill>
           <a:srgbClr val="FFFFFF"/>
         </a:solidFill>
+        <a:effectLst/>
       </p:bgPr>
     </p:bg>
     <p:spTree>
@@ -3159,7 +3191,9 @@
       <p:sp>
         <p:nvSpPr>
           <p:cNvPr id="2" name="Slide Title"/>
-          <p:cNvSpPr txBox="1"/>
+          <p:cNvSpPr txBox="1">
+            <a:spLocks noGrp="1"/>
+          </p:cNvSpPr>
           <p:nvPr>
             <p:ph type="title" hasCustomPrompt="1"/>
           </p:nvPr>
@@ -3177,17 +3211,16 @@
           </a:ln>
           <a:extLst>
             <a:ext uri="{C572A759-6A51-4108-AA02-DFA0A04FC94B}">
-              <ma14:wrappingTextBoxFlag xmlns:ma14="http://schemas.microsoft.com/office/mac/drawingml/2011/main" val="1"/>
+              <ma14:wrappingTextBoxFlag xmlns:ma14="http://schemas.microsoft.com/office/mac/drawingml/2011/main" xmlns:a14="http://schemas.microsoft.com/office/drawing/2010/main" xmlns:m="http://schemas.openxmlformats.org/officeDocument/2006/math" xmlns="" val="1"/>
             </a:ext>
           </a:extLst>
         </p:spPr>
         <p:txBody>
           <a:bodyPr lIns="50800" tIns="50800" rIns="50800" bIns="50800">
-            <a:normAutofit fontScale="100000" lnSpcReduction="0"/>
+            <a:normAutofit/>
           </a:bodyPr>
           <a:lstStyle/>
           <a:p>
-            <a:pPr/>
             <a:r>
               <a:t>Slide Title</a:t>
             </a:r>
@@ -3197,7 +3230,9 @@
       <p:sp>
         <p:nvSpPr>
           <p:cNvPr id="3" name="Body Level One…"/>
-          <p:cNvSpPr txBox="1"/>
+          <p:cNvSpPr txBox="1">
+            <a:spLocks noGrp="1"/>
+          </p:cNvSpPr>
           <p:nvPr>
             <p:ph type="body" idx="1" hasCustomPrompt="1"/>
           </p:nvPr>
@@ -3215,51 +3250,44 @@
           </a:ln>
           <a:extLst>
             <a:ext uri="{C572A759-6A51-4108-AA02-DFA0A04FC94B}">
-              <ma14:wrappingTextBoxFlag xmlns:ma14="http://schemas.microsoft.com/office/mac/drawingml/2011/main" val="1"/>
+              <ma14:wrappingTextBoxFlag xmlns:ma14="http://schemas.microsoft.com/office/mac/drawingml/2011/main" xmlns:a14="http://schemas.microsoft.com/office/drawing/2010/main" xmlns:m="http://schemas.openxmlformats.org/officeDocument/2006/math" xmlns="" val="1"/>
             </a:ext>
           </a:extLst>
         </p:spPr>
         <p:txBody>
           <a:bodyPr lIns="50800" tIns="50800" rIns="50800" bIns="50800">
-            <a:normAutofit fontScale="100000" lnSpcReduction="0"/>
+            <a:normAutofit/>
           </a:bodyPr>
           <a:lstStyle/>
           <a:p>
-            <a:pPr/>
             <a:r>
               <a:t>Slide bullet text</a:t>
             </a:r>
           </a:p>
           <a:p>
             <a:pPr lvl="1"/>
-            <a:r>
-              <a:t/>
-            </a:r>
+            <a:endParaRPr/>
           </a:p>
           <a:p>
             <a:pPr lvl="2"/>
-            <a:r>
-              <a:t/>
-            </a:r>
+            <a:endParaRPr/>
           </a:p>
           <a:p>
             <a:pPr lvl="3"/>
-            <a:r>
-              <a:t/>
-            </a:r>
+            <a:endParaRPr/>
           </a:p>
           <a:p>
             <a:pPr lvl="4"/>
-            <a:r>
-              <a:t/>
-            </a:r>
+            <a:endParaRPr/>
           </a:p>
         </p:txBody>
       </p:sp>
       <p:sp>
         <p:nvSpPr>
           <p:cNvPr id="4" name="Slide Number"/>
-          <p:cNvSpPr txBox="1"/>
+          <p:cNvSpPr txBox="1">
+            <a:spLocks noGrp="1"/>
+          </p:cNvSpPr>
           <p:nvPr>
             <p:ph type="sldNum" sz="quarter" idx="2"/>
           </p:nvPr>
@@ -3290,8 +3318,10 @@
             </a:lvl1pPr>
           </a:lstStyle>
           <a:p>
-            <a:pPr/>
-            <a:fld id="{86CB4B4D-7CA3-9044-876B-883B54F8677D}" type="slidenum"/>
+            <a:fld id="{86CB4B4D-7CA3-9044-876B-883B54F8677D}" type="slidenum">
+              <a:t>‹#›</a:t>
+            </a:fld>
+            <a:endParaRPr/>
           </a:p>
         </p:txBody>
       </p:sp>
@@ -3299,24 +3329,24 @@
   </p:cSld>
   <p:clrMap bg1="lt1" tx1="dk1" bg2="lt2" tx2="dk2" accent1="accent1" accent2="accent2" accent3="accent3" accent4="accent4" accent5="accent5" accent6="accent6" hlink="hlink" folHlink="folHlink"/>
   <p:sldLayoutIdLst>
-    <p:sldLayoutId id="2147483649" r:id="rId2"/>
-    <p:sldLayoutId id="2147483650" r:id="rId3"/>
-    <p:sldLayoutId id="2147483651" r:id="rId4"/>
-    <p:sldLayoutId id="2147483652" r:id="rId5"/>
-    <p:sldLayoutId id="2147483653" r:id="rId6"/>
-    <p:sldLayoutId id="2147483654" r:id="rId7"/>
-    <p:sldLayoutId id="2147483655" r:id="rId8"/>
-    <p:sldLayoutId id="2147483656" r:id="rId9"/>
-    <p:sldLayoutId id="2147483657" r:id="rId10"/>
-    <p:sldLayoutId id="2147483658" r:id="rId11"/>
-    <p:sldLayoutId id="2147483659" r:id="rId12"/>
-    <p:sldLayoutId id="2147483660" r:id="rId13"/>
-    <p:sldLayoutId id="2147483661" r:id="rId14"/>
-    <p:sldLayoutId id="2147483662" r:id="rId15"/>
-    <p:sldLayoutId id="2147483663" r:id="rId16"/>
-    <p:sldLayoutId id="2147483664" r:id="rId17"/>
+    <p:sldLayoutId id="2147483649" r:id="rId1"/>
+    <p:sldLayoutId id="2147483650" r:id="rId2"/>
+    <p:sldLayoutId id="2147483651" r:id="rId3"/>
+    <p:sldLayoutId id="2147483652" r:id="rId4"/>
+    <p:sldLayoutId id="2147483653" r:id="rId5"/>
+    <p:sldLayoutId id="2147483654" r:id="rId6"/>
+    <p:sldLayoutId id="2147483655" r:id="rId7"/>
+    <p:sldLayoutId id="2147483656" r:id="rId8"/>
+    <p:sldLayoutId id="2147483657" r:id="rId9"/>
+    <p:sldLayoutId id="2147483658" r:id="rId10"/>
+    <p:sldLayoutId id="2147483659" r:id="rId11"/>
+    <p:sldLayoutId id="2147483660" r:id="rId12"/>
+    <p:sldLayoutId id="2147483661" r:id="rId13"/>
+    <p:sldLayoutId id="2147483662" r:id="rId14"/>
+    <p:sldLayoutId id="2147483663" r:id="rId15"/>
+    <p:sldLayoutId id="2147483664" r:id="rId16"/>
   </p:sldLayoutIdLst>
-  <p:transition xmlns:p14="http://schemas.microsoft.com/office/powerpoint/2010/main" spd="med" advClick="1"/>
+  <p:transition spd="med"/>
   <p:txStyles>
     <p:titleStyle>
       <a:lvl1pPr marL="0" marR="0" indent="0" algn="l" defTabSz="2438338" rtl="0" latinLnBrk="0">
@@ -3334,7 +3364,7 @@
         <a:buFontTx/>
         <a:buNone/>
         <a:tabLst/>
-        <a:defRPr b="1" baseline="0" cap="none" i="0" spc="-170" strike="noStrike" sz="8500" u="none">
+        <a:defRPr sz="8500" b="1" i="0" u="none" strike="noStrike" cap="none" spc="-170" baseline="0">
           <a:solidFill>
             <a:srgbClr val="000000"/>
           </a:solidFill>
@@ -3360,7 +3390,7 @@
         <a:buFontTx/>
         <a:buNone/>
         <a:tabLst/>
-        <a:defRPr b="1" baseline="0" cap="none" i="0" spc="-170" strike="noStrike" sz="8500" u="none">
+        <a:defRPr sz="8500" b="1" i="0" u="none" strike="noStrike" cap="none" spc="-170" baseline="0">
           <a:solidFill>
             <a:srgbClr val="000000"/>
           </a:solidFill>
@@ -3386,7 +3416,7 @@
         <a:buFontTx/>
         <a:buNone/>
         <a:tabLst/>
-        <a:defRPr b="1" baseline="0" cap="none" i="0" spc="-170" strike="noStrike" sz="8500" u="none">
+        <a:defRPr sz="8500" b="1" i="0" u="none" strike="noStrike" cap="none" spc="-170" baseline="0">
           <a:solidFill>
             <a:srgbClr val="000000"/>
           </a:solidFill>
@@ -3412,7 +3442,7 @@
         <a:buFontTx/>
         <a:buNone/>
         <a:tabLst/>
-        <a:defRPr b="1" baseline="0" cap="none" i="0" spc="-170" strike="noStrike" sz="8500" u="none">
+        <a:defRPr sz="8500" b="1" i="0" u="none" strike="noStrike" cap="none" spc="-170" baseline="0">
           <a:solidFill>
             <a:srgbClr val="000000"/>
           </a:solidFill>
@@ -3438,7 +3468,7 @@
         <a:buFontTx/>
         <a:buNone/>
         <a:tabLst/>
-        <a:defRPr b="1" baseline="0" cap="none" i="0" spc="-170" strike="noStrike" sz="8500" u="none">
+        <a:defRPr sz="8500" b="1" i="0" u="none" strike="noStrike" cap="none" spc="-170" baseline="0">
           <a:solidFill>
             <a:srgbClr val="000000"/>
           </a:solidFill>
@@ -3464,7 +3494,7 @@
         <a:buFontTx/>
         <a:buNone/>
         <a:tabLst/>
-        <a:defRPr b="1" baseline="0" cap="none" i="0" spc="-170" strike="noStrike" sz="8500" u="none">
+        <a:defRPr sz="8500" b="1" i="0" u="none" strike="noStrike" cap="none" spc="-170" baseline="0">
           <a:solidFill>
             <a:srgbClr val="000000"/>
           </a:solidFill>
@@ -3490,7 +3520,7 @@
         <a:buFontTx/>
         <a:buNone/>
         <a:tabLst/>
-        <a:defRPr b="1" baseline="0" cap="none" i="0" spc="-170" strike="noStrike" sz="8500" u="none">
+        <a:defRPr sz="8500" b="1" i="0" u="none" strike="noStrike" cap="none" spc="-170" baseline="0">
           <a:solidFill>
             <a:srgbClr val="000000"/>
           </a:solidFill>
@@ -3516,7 +3546,7 @@
         <a:buFontTx/>
         <a:buNone/>
         <a:tabLst/>
-        <a:defRPr b="1" baseline="0" cap="none" i="0" spc="-170" strike="noStrike" sz="8500" u="none">
+        <a:defRPr sz="8500" b="1" i="0" u="none" strike="noStrike" cap="none" spc="-170" baseline="0">
           <a:solidFill>
             <a:srgbClr val="000000"/>
           </a:solidFill>
@@ -3542,7 +3572,7 @@
         <a:buFontTx/>
         <a:buNone/>
         <a:tabLst/>
-        <a:defRPr b="1" baseline="0" cap="none" i="0" spc="-170" strike="noStrike" sz="8500" u="none">
+        <a:defRPr sz="8500" b="1" i="0" u="none" strike="noStrike" cap="none" spc="-170" baseline="0">
           <a:solidFill>
             <a:srgbClr val="000000"/>
           </a:solidFill>
@@ -3570,7 +3600,7 @@
         <a:buFontTx/>
         <a:buChar char="•"/>
         <a:tabLst/>
-        <a:defRPr b="0" baseline="0" cap="none" i="0" spc="0" strike="noStrike" sz="4800" u="none">
+        <a:defRPr sz="4800" b="0" i="0" u="none" strike="noStrike" cap="none" spc="0" baseline="0">
           <a:solidFill>
             <a:srgbClr val="000000"/>
           </a:solidFill>
@@ -3596,7 +3626,7 @@
         <a:buFontTx/>
         <a:buChar char="•"/>
         <a:tabLst/>
-        <a:defRPr b="0" baseline="0" cap="none" i="0" spc="0" strike="noStrike" sz="4800" u="none">
+        <a:defRPr sz="4800" b="0" i="0" u="none" strike="noStrike" cap="none" spc="0" baseline="0">
           <a:solidFill>
             <a:srgbClr val="000000"/>
           </a:solidFill>
@@ -3622,7 +3652,7 @@
         <a:buFontTx/>
         <a:buChar char="•"/>
         <a:tabLst/>
-        <a:defRPr b="0" baseline="0" cap="none" i="0" spc="0" strike="noStrike" sz="4800" u="none">
+        <a:defRPr sz="4800" b="0" i="0" u="none" strike="noStrike" cap="none" spc="0" baseline="0">
           <a:solidFill>
             <a:srgbClr val="000000"/>
           </a:solidFill>
@@ -3648,7 +3678,7 @@
         <a:buFontTx/>
         <a:buChar char="•"/>
         <a:tabLst/>
-        <a:defRPr b="0" baseline="0" cap="none" i="0" spc="0" strike="noStrike" sz="4800" u="none">
+        <a:defRPr sz="4800" b="0" i="0" u="none" strike="noStrike" cap="none" spc="0" baseline="0">
           <a:solidFill>
             <a:srgbClr val="000000"/>
           </a:solidFill>
@@ -3674,7 +3704,7 @@
         <a:buFontTx/>
         <a:buChar char="•"/>
         <a:tabLst/>
-        <a:defRPr b="0" baseline="0" cap="none" i="0" spc="0" strike="noStrike" sz="4800" u="none">
+        <a:defRPr sz="4800" b="0" i="0" u="none" strike="noStrike" cap="none" spc="0" baseline="0">
           <a:solidFill>
             <a:srgbClr val="000000"/>
           </a:solidFill>
@@ -3700,7 +3730,7 @@
         <a:buFontTx/>
         <a:buChar char="•"/>
         <a:tabLst/>
-        <a:defRPr b="0" baseline="0" cap="none" i="0" spc="0" strike="noStrike" sz="4800" u="none">
+        <a:defRPr sz="4800" b="0" i="0" u="none" strike="noStrike" cap="none" spc="0" baseline="0">
           <a:solidFill>
             <a:srgbClr val="000000"/>
           </a:solidFill>
@@ -3726,7 +3756,7 @@
         <a:buFontTx/>
         <a:buChar char="•"/>
         <a:tabLst/>
-        <a:defRPr b="0" baseline="0" cap="none" i="0" spc="0" strike="noStrike" sz="4800" u="none">
+        <a:defRPr sz="4800" b="0" i="0" u="none" strike="noStrike" cap="none" spc="0" baseline="0">
           <a:solidFill>
             <a:srgbClr val="000000"/>
           </a:solidFill>
@@ -3752,7 +3782,7 @@
         <a:buFontTx/>
         <a:buChar char="•"/>
         <a:tabLst/>
-        <a:defRPr b="0" baseline="0" cap="none" i="0" spc="0" strike="noStrike" sz="4800" u="none">
+        <a:defRPr sz="4800" b="0" i="0" u="none" strike="noStrike" cap="none" spc="0" baseline="0">
           <a:solidFill>
             <a:srgbClr val="000000"/>
           </a:solidFill>
@@ -3778,7 +3808,7 @@
         <a:buFontTx/>
         <a:buChar char="•"/>
         <a:tabLst/>
-        <a:defRPr b="0" baseline="0" cap="none" i="0" spc="0" strike="noStrike" sz="4800" u="none">
+        <a:defRPr sz="4800" b="0" i="0" u="none" strike="noStrike" cap="none" spc="0" baseline="0">
           <a:solidFill>
             <a:srgbClr val="000000"/>
           </a:solidFill>
@@ -3806,7 +3836,7 @@
         <a:buFontTx/>
         <a:buNone/>
         <a:tabLst/>
-        <a:defRPr b="0" baseline="0" cap="none" i="0" spc="0" strike="noStrike" sz="1800" u="none">
+        <a:defRPr sz="1800" b="0" i="0" u="none" strike="noStrike" cap="none" spc="0" baseline="0">
           <a:solidFill>
             <a:schemeClr val="tx1"/>
           </a:solidFill>
@@ -3832,7 +3862,7 @@
         <a:buFontTx/>
         <a:buNone/>
         <a:tabLst/>
-        <a:defRPr b="0" baseline="0" cap="none" i="0" spc="0" strike="noStrike" sz="1800" u="none">
+        <a:defRPr sz="1800" b="0" i="0" u="none" strike="noStrike" cap="none" spc="0" baseline="0">
           <a:solidFill>
             <a:schemeClr val="tx1"/>
           </a:solidFill>
@@ -3858,7 +3888,7 @@
         <a:buFontTx/>
         <a:buNone/>
         <a:tabLst/>
-        <a:defRPr b="0" baseline="0" cap="none" i="0" spc="0" strike="noStrike" sz="1800" u="none">
+        <a:defRPr sz="1800" b="0" i="0" u="none" strike="noStrike" cap="none" spc="0" baseline="0">
           <a:solidFill>
             <a:schemeClr val="tx1"/>
           </a:solidFill>
@@ -3884,7 +3914,7 @@
         <a:buFontTx/>
         <a:buNone/>
         <a:tabLst/>
-        <a:defRPr b="0" baseline="0" cap="none" i="0" spc="0" strike="noStrike" sz="1800" u="none">
+        <a:defRPr sz="1800" b="0" i="0" u="none" strike="noStrike" cap="none" spc="0" baseline="0">
           <a:solidFill>
             <a:schemeClr val="tx1"/>
           </a:solidFill>
@@ -3910,7 +3940,7 @@
         <a:buFontTx/>
         <a:buNone/>
         <a:tabLst/>
-        <a:defRPr b="0" baseline="0" cap="none" i="0" spc="0" strike="noStrike" sz="1800" u="none">
+        <a:defRPr sz="1800" b="0" i="0" u="none" strike="noStrike" cap="none" spc="0" baseline="0">
           <a:solidFill>
             <a:schemeClr val="tx1"/>
           </a:solidFill>
@@ -3936,7 +3966,7 @@
         <a:buFontTx/>
         <a:buNone/>
         <a:tabLst/>
-        <a:defRPr b="0" baseline="0" cap="none" i="0" spc="0" strike="noStrike" sz="1800" u="none">
+        <a:defRPr sz="1800" b="0" i="0" u="none" strike="noStrike" cap="none" spc="0" baseline="0">
           <a:solidFill>
             <a:schemeClr val="tx1"/>
           </a:solidFill>
@@ -3962,7 +3992,7 @@
         <a:buFontTx/>
         <a:buNone/>
         <a:tabLst/>
-        <a:defRPr b="0" baseline="0" cap="none" i="0" spc="0" strike="noStrike" sz="1800" u="none">
+        <a:defRPr sz="1800" b="0" i="0" u="none" strike="noStrike" cap="none" spc="0" baseline="0">
           <a:solidFill>
             <a:schemeClr val="tx1"/>
           </a:solidFill>
@@ -3988,7 +4018,7 @@
         <a:buFontTx/>
         <a:buNone/>
         <a:tabLst/>
-        <a:defRPr b="0" baseline="0" cap="none" i="0" spc="0" strike="noStrike" sz="1800" u="none">
+        <a:defRPr sz="1800" b="0" i="0" u="none" strike="noStrike" cap="none" spc="0" baseline="0">
           <a:solidFill>
             <a:schemeClr val="tx1"/>
           </a:solidFill>
@@ -4014,7 +4044,7 @@
         <a:buFontTx/>
         <a:buNone/>
         <a:tabLst/>
-        <a:defRPr b="0" baseline="0" cap="none" i="0" spc="0" strike="noStrike" sz="1800" u="none">
+        <a:defRPr sz="1800" b="0" i="0" u="none" strike="noStrike" cap="none" spc="0" baseline="0">
           <a:solidFill>
             <a:schemeClr val="tx1"/>
           </a:solidFill>
@@ -4031,7 +4061,7 @@
 </file>
 
 <file path=ppt/slides/slide1.xml><?xml version="1.0" encoding="utf-8"?>
-<p:sld xmlns:a="http://schemas.openxmlformats.org/drawingml/2006/main" xmlns:r="http://schemas.openxmlformats.org/officeDocument/2006/relationships" xmlns:p="http://schemas.openxmlformats.org/presentationml/2006/main" xmlns:m="http://schemas.openxmlformats.org/officeDocument/2006/math" xmlns:a14="http://schemas.microsoft.com/office/drawing/2010/main" showMasterSp="1" showMasterPhAnim="1">
+<p:sld xmlns:a="http://schemas.openxmlformats.org/drawingml/2006/main" xmlns:r="http://schemas.openxmlformats.org/officeDocument/2006/relationships" xmlns:p="http://schemas.openxmlformats.org/presentationml/2006/main">
   <p:cSld>
     <p:spTree>
       <p:nvGrpSpPr>
@@ -4050,7 +4080,9 @@
       <p:sp>
         <p:nvSpPr>
           <p:cNvPr id="160" name="前置知识：选择排序、冒泡排序、插入排序、等差数列、等比数列…"/>
-          <p:cNvSpPr txBox="1"/>
+          <p:cNvSpPr txBox="1">
+            <a:spLocks noGrp="1"/>
+          </p:cNvSpPr>
           <p:nvPr>
             <p:ph type="body" idx="21"/>
           </p:nvPr>
@@ -4065,7 +4097,7 @@
           </a:prstGeom>
           <a:extLst>
             <a:ext uri="{C572A759-6A51-4108-AA02-DFA0A04FC94B}">
-              <ma14:wrappingTextBoxFlag xmlns:ma14="http://schemas.microsoft.com/office/mac/drawingml/2011/main" val="1"/>
+              <ma14:wrappingTextBoxFlag xmlns:ma14="http://schemas.microsoft.com/office/mac/drawingml/2011/main" xmlns:a14="http://schemas.microsoft.com/office/drawing/2010/main" xmlns:m="http://schemas.openxmlformats.org/officeDocument/2006/math" xmlns="" val="1"/>
             </a:ext>
           </a:extLst>
         </p:spPr>
@@ -4103,7 +4135,9 @@
       <p:sp>
         <p:nvSpPr>
           <p:cNvPr id="161" name="时间复杂度和空间复杂度"/>
-          <p:cNvSpPr txBox="1"/>
+          <p:cNvSpPr txBox="1">
+            <a:spLocks noGrp="1"/>
+          </p:cNvSpPr>
           <p:nvPr>
             <p:ph type="ctrTitle"/>
           </p:nvPr>
@@ -4124,7 +4158,7 @@
               <a:lnSpc>
                 <a:spcPct val="100000"/>
               </a:lnSpc>
-              <a:defRPr b="0" spc="0" sz="5500">
+              <a:defRPr sz="5500" b="0" spc="0">
                 <a:latin typeface="Monaco"/>
                 <a:ea typeface="Monaco"/>
                 <a:cs typeface="Monaco"/>
@@ -4133,7 +4167,6 @@
             </a:lvl1pPr>
           </a:lstStyle>
           <a:p>
-            <a:pPr/>
             <a:r>
               <a:t>时间复杂度和空间复杂度</a:t>
             </a:r>
@@ -4159,13 +4192,13 @@
           </a:ln>
           <a:extLst>
             <a:ext uri="{C572A759-6A51-4108-AA02-DFA0A04FC94B}">
-              <ma14:wrappingTextBoxFlag xmlns:ma14="http://schemas.microsoft.com/office/mac/drawingml/2011/main" val="1"/>
+              <ma14:wrappingTextBoxFlag xmlns:ma14="http://schemas.microsoft.com/office/mac/drawingml/2011/main" xmlns:a14="http://schemas.microsoft.com/office/drawing/2010/main" xmlns:m="http://schemas.openxmlformats.org/officeDocument/2006/math" xmlns="" val="1"/>
             </a:ext>
           </a:extLst>
         </p:spPr>
         <p:txBody>
           <a:bodyPr lIns="45719" rIns="45719">
-            <a:normAutofit fontScale="100000" lnSpcReduction="0"/>
+            <a:normAutofit/>
           </a:bodyPr>
           <a:lstStyle/>
           <a:p>
@@ -4181,8 +4214,74 @@
               </a:defRPr>
             </a:pPr>
             <a:r>
-              <a:t>1，常数操作，固定时间的操作，执行时间和数据量无关</a:t>
-            </a:r>
+              <a:t>1，常数操作，固定时间的操作，执行时间和数据</a:t>
+            </a:r>
+            <a:r>
+              <a:rPr lang="zh-CN" altLang="en-US"/>
+              <a:t>值</a:t>
+            </a:r>
+            <a:r>
+              <a:t>无关</a:t>
+            </a:r>
+            <a:r>
+              <a:rPr lang="en-US" altLang="zh-CN"/>
+              <a:t>.</a:t>
+            </a:r>
+            <a:r>
+              <a:rPr lang="en-US" altLang="zh-CN">
+                <a:sym typeface="Wingdings" pitchFamily="2" charset="2"/>
+              </a:rPr>
+              <a:t></a:t>
+            </a:r>
+            <a:r>
+              <a:rPr lang="zh-CN" altLang="en-US"/>
+              <a:t>整数倍数是固定的</a:t>
+            </a:r>
+            <a:r>
+              <a:rPr lang="en-US" altLang="zh-CN"/>
+              <a:t>,</a:t>
+            </a:r>
+            <a:r>
+              <a:rPr lang="zh-CN" altLang="en-US"/>
+              <a:t>对于</a:t>
+            </a:r>
+            <a:r>
+              <a:rPr lang="en-US" altLang="zh-CN"/>
+              <a:t>32</a:t>
+            </a:r>
+            <a:r>
+              <a:rPr lang="zh-CN" altLang="en-US"/>
+              <a:t>位的整数</a:t>
+            </a:r>
+            <a:r>
+              <a:rPr lang="en-US" altLang="zh-CN"/>
+              <a:t>,</a:t>
+            </a:r>
+            <a:r>
+              <a:rPr lang="zh-CN" altLang="en-US"/>
+              <a:t>无论该数值多大</a:t>
+            </a:r>
+            <a:r>
+              <a:rPr lang="en-US" altLang="zh-CN"/>
+              <a:t>,</a:t>
+            </a:r>
+            <a:r>
+              <a:rPr lang="zh-CN" altLang="en-US"/>
+              <a:t>都需要进行</a:t>
+            </a:r>
+            <a:r>
+              <a:rPr lang="en-US" altLang="zh-CN"/>
+              <a:t>32</a:t>
+            </a:r>
+            <a:r>
+              <a:rPr lang="zh-CN" altLang="en-US"/>
+              <a:t>位的运算</a:t>
+            </a:r>
+            <a:r>
+              <a:rPr lang="en-US" altLang="zh-CN"/>
+              <a:t>.</a:t>
+            </a:r>
+            <a:endParaRPr/>
           </a:p>
           <a:p>
             <a:pPr algn="l" defTabSz="718184">
@@ -4365,7 +4464,7 @@
           </a:ln>
           <a:extLst>
             <a:ext uri="{C572A759-6A51-4108-AA02-DFA0A04FC94B}">
-              <ma14:wrappingTextBoxFlag xmlns:ma14="http://schemas.microsoft.com/office/mac/drawingml/2011/main" val="1"/>
+              <ma14:wrappingTextBoxFlag xmlns:ma14="http://schemas.microsoft.com/office/mac/drawingml/2011/main" xmlns:a14="http://schemas.microsoft.com/office/drawing/2010/main" xmlns:m="http://schemas.openxmlformats.org/officeDocument/2006/math" xmlns="" val="1"/>
             </a:ext>
           </a:extLst>
         </p:spPr>
@@ -4387,7 +4486,6 @@
             </a:lvl1pPr>
           </a:lstStyle>
           <a:p>
-            <a:pPr/>
             <a:r>
               <a:t>左程云</a:t>
             </a:r>
@@ -4399,12 +4497,12 @@
   <p:clrMapOvr>
     <a:masterClrMapping/>
   </p:clrMapOvr>
-  <p:transition xmlns:p14="http://schemas.microsoft.com/office/powerpoint/2010/main" spd="med" advClick="1"/>
+  <p:transition spd="med"/>
 </p:sld>
 </file>
 
 <file path=ppt/slides/slide2.xml><?xml version="1.0" encoding="utf-8"?>
-<p:sld xmlns:a="http://schemas.openxmlformats.org/drawingml/2006/main" xmlns:r="http://schemas.openxmlformats.org/officeDocument/2006/relationships" xmlns:p="http://schemas.openxmlformats.org/presentationml/2006/main" xmlns:m="http://schemas.openxmlformats.org/officeDocument/2006/math" xmlns:a14="http://schemas.microsoft.com/office/drawing/2010/main" showMasterSp="1" showMasterPhAnim="1">
+<p:sld xmlns:a="http://schemas.openxmlformats.org/drawingml/2006/main" xmlns:r="http://schemas.openxmlformats.org/officeDocument/2006/relationships" xmlns:p="http://schemas.openxmlformats.org/presentationml/2006/main">
   <p:cSld>
     <p:spTree>
       <p:nvGrpSpPr>
@@ -4423,7 +4521,9 @@
       <p:sp>
         <p:nvSpPr>
           <p:cNvPr id="165" name="前置知识：选择排序、冒泡排序、插入排序、等差数列…"/>
-          <p:cNvSpPr txBox="1"/>
+          <p:cNvSpPr txBox="1">
+            <a:spLocks noGrp="1"/>
+          </p:cNvSpPr>
           <p:nvPr>
             <p:ph type="body" idx="21"/>
           </p:nvPr>
@@ -4438,7 +4538,7 @@
           </a:prstGeom>
           <a:extLst>
             <a:ext uri="{C572A759-6A51-4108-AA02-DFA0A04FC94B}">
-              <ma14:wrappingTextBoxFlag xmlns:ma14="http://schemas.microsoft.com/office/mac/drawingml/2011/main" val="1"/>
+              <ma14:wrappingTextBoxFlag xmlns:ma14="http://schemas.microsoft.com/office/mac/drawingml/2011/main" xmlns:a14="http://schemas.microsoft.com/office/drawing/2010/main" xmlns:m="http://schemas.openxmlformats.org/officeDocument/2006/math" xmlns="" val="1"/>
             </a:ext>
           </a:extLst>
         </p:spPr>
@@ -4476,7 +4576,9 @@
       <p:sp>
         <p:nvSpPr>
           <p:cNvPr id="166" name="时间复杂度和空间复杂度"/>
-          <p:cNvSpPr txBox="1"/>
+          <p:cNvSpPr txBox="1">
+            <a:spLocks noGrp="1"/>
+          </p:cNvSpPr>
           <p:nvPr>
             <p:ph type="ctrTitle"/>
           </p:nvPr>
@@ -4497,7 +4599,7 @@
               <a:lnSpc>
                 <a:spcPct val="100000"/>
               </a:lnSpc>
-              <a:defRPr b="0" spc="0" sz="5500">
+              <a:defRPr sz="5500" b="0" spc="0">
                 <a:latin typeface="Monaco"/>
                 <a:ea typeface="Monaco"/>
                 <a:cs typeface="Monaco"/>
@@ -4506,7 +4608,6 @@
             </a:lvl1pPr>
           </a:lstStyle>
           <a:p>
-            <a:pPr/>
             <a:r>
               <a:t>时间复杂度和空间复杂度</a:t>
             </a:r>
@@ -4532,13 +4633,13 @@
           </a:ln>
           <a:extLst>
             <a:ext uri="{C572A759-6A51-4108-AA02-DFA0A04FC94B}">
-              <ma14:wrappingTextBoxFlag xmlns:ma14="http://schemas.microsoft.com/office/mac/drawingml/2011/main" val="1"/>
+              <ma14:wrappingTextBoxFlag xmlns:ma14="http://schemas.microsoft.com/office/mac/drawingml/2011/main" xmlns:a14="http://schemas.microsoft.com/office/drawing/2010/main" xmlns:m="http://schemas.openxmlformats.org/officeDocument/2006/math" xmlns="" val="1"/>
             </a:ext>
           </a:extLst>
         </p:spPr>
         <p:txBody>
           <a:bodyPr lIns="45719" rIns="45719">
-            <a:normAutofit fontScale="100000" lnSpcReduction="0"/>
+            <a:normAutofit/>
           </a:bodyPr>
           <a:lstStyle/>
           <a:p>
@@ -4722,7 +4823,7 @@
           </a:ln>
           <a:extLst>
             <a:ext uri="{C572A759-6A51-4108-AA02-DFA0A04FC94B}">
-              <ma14:wrappingTextBoxFlag xmlns:ma14="http://schemas.microsoft.com/office/mac/drawingml/2011/main" val="1"/>
+              <ma14:wrappingTextBoxFlag xmlns:ma14="http://schemas.microsoft.com/office/mac/drawingml/2011/main" xmlns:a14="http://schemas.microsoft.com/office/drawing/2010/main" xmlns:m="http://schemas.openxmlformats.org/officeDocument/2006/math" xmlns="" val="1"/>
             </a:ext>
           </a:extLst>
         </p:spPr>
@@ -4744,7 +4845,6 @@
             </a:lvl1pPr>
           </a:lstStyle>
           <a:p>
-            <a:pPr/>
             <a:r>
               <a:t>左程云</a:t>
             </a:r>
@@ -4756,12 +4856,12 @@
   <p:clrMapOvr>
     <a:masterClrMapping/>
   </p:clrMapOvr>
-  <p:transition xmlns:p14="http://schemas.microsoft.com/office/powerpoint/2010/main" spd="med" advClick="1"/>
+  <p:transition spd="med"/>
 </p:sld>
 </file>
 
 <file path=ppt/slides/slide3.xml><?xml version="1.0" encoding="utf-8"?>
-<p:sld xmlns:a="http://schemas.openxmlformats.org/drawingml/2006/main" xmlns:r="http://schemas.openxmlformats.org/officeDocument/2006/relationships" xmlns:p="http://schemas.openxmlformats.org/presentationml/2006/main" xmlns:m="http://schemas.openxmlformats.org/officeDocument/2006/math" xmlns:a14="http://schemas.microsoft.com/office/drawing/2010/main" showMasterSp="1" showMasterPhAnim="1">
+<p:sld xmlns:a="http://schemas.openxmlformats.org/drawingml/2006/main" xmlns:r="http://schemas.openxmlformats.org/officeDocument/2006/relationships" xmlns:p="http://schemas.openxmlformats.org/presentationml/2006/main">
   <p:cSld>
     <p:spTree>
       <p:nvGrpSpPr>
@@ -4780,7 +4880,9 @@
       <p:sp>
         <p:nvSpPr>
           <p:cNvPr id="170" name="等差数列求和公式"/>
-          <p:cNvSpPr txBox="1"/>
+          <p:cNvSpPr txBox="1">
+            <a:spLocks noGrp="1"/>
+          </p:cNvSpPr>
           <p:nvPr>
             <p:ph type="ctrTitle"/>
           </p:nvPr>
@@ -4801,7 +4903,7 @@
               <a:lnSpc>
                 <a:spcPct val="100000"/>
               </a:lnSpc>
-              <a:defRPr b="0" spc="0" sz="5500">
+              <a:defRPr sz="5500" b="0" spc="0">
                 <a:latin typeface="Monaco"/>
                 <a:ea typeface="Monaco"/>
                 <a:cs typeface="Monaco"/>
@@ -4810,7 +4912,6 @@
             </a:lvl1pPr>
           </a:lstStyle>
           <a:p>
-            <a:pPr/>
             <a:r>
               <a:t>等差数列求和公式</a:t>
             </a:r>
@@ -4836,13 +4937,13 @@
           </a:ln>
           <a:extLst>
             <a:ext uri="{C572A759-6A51-4108-AA02-DFA0A04FC94B}">
-              <ma14:wrappingTextBoxFlag xmlns:ma14="http://schemas.microsoft.com/office/mac/drawingml/2011/main" val="1"/>
+              <ma14:wrappingTextBoxFlag xmlns:ma14="http://schemas.microsoft.com/office/mac/drawingml/2011/main" xmlns:a14="http://schemas.microsoft.com/office/drawing/2010/main" xmlns:m="http://schemas.openxmlformats.org/officeDocument/2006/math" xmlns="" val="1"/>
             </a:ext>
           </a:extLst>
         </p:spPr>
         <p:txBody>
           <a:bodyPr lIns="45719" rIns="45719">
-            <a:normAutofit fontScale="100000" lnSpcReduction="0"/>
+            <a:normAutofit/>
           </a:bodyPr>
           <a:lstStyle/>
           <a:p>
@@ -4938,7 +5039,7 @@
           </a:ln>
           <a:extLst>
             <a:ext uri="{C572A759-6A51-4108-AA02-DFA0A04FC94B}">
-              <ma14:wrappingTextBoxFlag xmlns:ma14="http://schemas.microsoft.com/office/mac/drawingml/2011/main" val="1"/>
+              <ma14:wrappingTextBoxFlag xmlns:ma14="http://schemas.microsoft.com/office/mac/drawingml/2011/main" xmlns:a14="http://schemas.microsoft.com/office/drawing/2010/main" xmlns:m="http://schemas.openxmlformats.org/officeDocument/2006/math" xmlns="" val="1"/>
             </a:ext>
           </a:extLst>
         </p:spPr>
@@ -4960,7 +5061,6 @@
             </a:lvl1pPr>
           </a:lstStyle>
           <a:p>
-            <a:pPr/>
             <a:r>
               <a:t>左程云</a:t>
             </a:r>
@@ -4972,12 +5072,12 @@
   <p:clrMapOvr>
     <a:masterClrMapping/>
   </p:clrMapOvr>
-  <p:transition xmlns:p14="http://schemas.microsoft.com/office/powerpoint/2010/main" spd="med" advClick="1"/>
+  <p:transition spd="med"/>
 </p:sld>
 </file>
 
 <file path=ppt/theme/theme1.xml><?xml version="1.0" encoding="utf-8"?>
-<a:theme xmlns:a="http://schemas.openxmlformats.org/drawingml/2006/main" xmlns:r="http://schemas.openxmlformats.org/officeDocument/2006/relationships" name="21_BasicWhite">
+<a:theme xmlns:a="http://schemas.openxmlformats.org/drawingml/2006/main" name="21_BasicWhite">
   <a:themeElements>
     <a:clrScheme name="21_BasicWhite">
       <a:dk1>
@@ -5176,7 +5276,7 @@
         <a:effectLst/>
         <a:sp3d/>
       </a:spPr>
-      <a:bodyPr rot="0" spcFirstLastPara="1" vertOverflow="overflow" horzOverflow="overflow" vert="horz" wrap="square" lIns="50800" tIns="50800" rIns="50800" bIns="50800" numCol="1" spcCol="38100" rtlCol="0" anchor="ctr" upright="0">
+      <a:bodyPr rot="0" spcFirstLastPara="1" vertOverflow="overflow" horzOverflow="overflow" vert="horz" wrap="square" lIns="50800" tIns="50800" rIns="50800" bIns="50800" numCol="1" spcCol="38100" rtlCol="0" anchor="ctr">
         <a:spAutoFit/>
       </a:bodyPr>
       <a:lstStyle>
@@ -5195,7 +5295,7 @@
           <a:buFontTx/>
           <a:buNone/>
           <a:tabLst/>
-          <a:defRPr b="0" baseline="0" cap="none" i="0" spc="0" strike="noStrike" sz="3200" u="none" kumimoji="0" normalizeH="0">
+          <a:defRPr kumimoji="0" sz="3200" b="0" i="0" u="none" strike="noStrike" cap="none" spc="0" normalizeH="0" baseline="0">
             <a:ln>
               <a:noFill/>
             </a:ln>
@@ -5225,7 +5325,7 @@
           <a:buFontTx/>
           <a:buNone/>
           <a:tabLst/>
-          <a:defRPr b="0" baseline="0" cap="none" i="0" spc="0" strike="noStrike" sz="1800" u="none" kumimoji="0" normalizeH="0">
+          <a:defRPr kumimoji="0" sz="1800" b="0" i="0" u="none" strike="noStrike" cap="none" spc="0" normalizeH="0" baseline="0">
             <a:ln>
               <a:noFill/>
             </a:ln>
@@ -5251,7 +5351,7 @@
           <a:buFontTx/>
           <a:buNone/>
           <a:tabLst/>
-          <a:defRPr b="0" baseline="0" cap="none" i="0" spc="0" strike="noStrike" sz="1800" u="none" kumimoji="0" normalizeH="0">
+          <a:defRPr kumimoji="0" sz="1800" b="0" i="0" u="none" strike="noStrike" cap="none" spc="0" normalizeH="0" baseline="0">
             <a:ln>
               <a:noFill/>
             </a:ln>
@@ -5277,7 +5377,7 @@
           <a:buFontTx/>
           <a:buNone/>
           <a:tabLst/>
-          <a:defRPr b="0" baseline="0" cap="none" i="0" spc="0" strike="noStrike" sz="1800" u="none" kumimoji="0" normalizeH="0">
+          <a:defRPr kumimoji="0" sz="1800" b="0" i="0" u="none" strike="noStrike" cap="none" spc="0" normalizeH="0" baseline="0">
             <a:ln>
               <a:noFill/>
             </a:ln>
@@ -5303,7 +5403,7 @@
           <a:buFontTx/>
           <a:buNone/>
           <a:tabLst/>
-          <a:defRPr b="0" baseline="0" cap="none" i="0" spc="0" strike="noStrike" sz="1800" u="none" kumimoji="0" normalizeH="0">
+          <a:defRPr kumimoji="0" sz="1800" b="0" i="0" u="none" strike="noStrike" cap="none" spc="0" normalizeH="0" baseline="0">
             <a:ln>
               <a:noFill/>
             </a:ln>
@@ -5329,7 +5429,7 @@
           <a:buFontTx/>
           <a:buNone/>
           <a:tabLst/>
-          <a:defRPr b="0" baseline="0" cap="none" i="0" spc="0" strike="noStrike" sz="1800" u="none" kumimoji="0" normalizeH="0">
+          <a:defRPr kumimoji="0" sz="1800" b="0" i="0" u="none" strike="noStrike" cap="none" spc="0" normalizeH="0" baseline="0">
             <a:ln>
               <a:noFill/>
             </a:ln>
@@ -5355,7 +5455,7 @@
           <a:buFontTx/>
           <a:buNone/>
           <a:tabLst/>
-          <a:defRPr b="0" baseline="0" cap="none" i="0" spc="0" strike="noStrike" sz="1800" u="none" kumimoji="0" normalizeH="0">
+          <a:defRPr kumimoji="0" sz="1800" b="0" i="0" u="none" strike="noStrike" cap="none" spc="0" normalizeH="0" baseline="0">
             <a:ln>
               <a:noFill/>
             </a:ln>
@@ -5381,7 +5481,7 @@
           <a:buFontTx/>
           <a:buNone/>
           <a:tabLst/>
-          <a:defRPr b="0" baseline="0" cap="none" i="0" spc="0" strike="noStrike" sz="1800" u="none" kumimoji="0" normalizeH="0">
+          <a:defRPr kumimoji="0" sz="1800" b="0" i="0" u="none" strike="noStrike" cap="none" spc="0" normalizeH="0" baseline="0">
             <a:ln>
               <a:noFill/>
             </a:ln>
@@ -5407,7 +5507,7 @@
           <a:buFontTx/>
           <a:buNone/>
           <a:tabLst/>
-          <a:defRPr b="0" baseline="0" cap="none" i="0" spc="0" strike="noStrike" sz="1800" u="none" kumimoji="0" normalizeH="0">
+          <a:defRPr kumimoji="0" sz="1800" b="0" i="0" u="none" strike="noStrike" cap="none" spc="0" normalizeH="0" baseline="0">
             <a:ln>
               <a:noFill/>
             </a:ln>
@@ -5433,7 +5533,7 @@
           <a:buFontTx/>
           <a:buNone/>
           <a:tabLst/>
-          <a:defRPr b="0" baseline="0" cap="none" i="0" spc="0" strike="noStrike" sz="1800" u="none" kumimoji="0" normalizeH="0">
+          <a:defRPr kumimoji="0" sz="1800" b="0" i="0" u="none" strike="noStrike" cap="none" spc="0" normalizeH="0" baseline="0">
             <a:ln>
               <a:noFill/>
             </a:ln>
@@ -5446,9 +5546,15 @@
         </a:lvl9pPr>
       </a:lstStyle>
       <a:style>
-        <a:lnRef idx="0"/>
-        <a:fillRef idx="0"/>
-        <a:effectRef idx="0"/>
+        <a:lnRef idx="0">
+          <a:scrgbClr r="0" g="0" b="0"/>
+        </a:lnRef>
+        <a:fillRef idx="0">
+          <a:scrgbClr r="0" g="0" b="0"/>
+        </a:fillRef>
+        <a:effectRef idx="0">
+          <a:scrgbClr r="0" g="0" b="0"/>
+        </a:effectRef>
         <a:fontRef idx="none"/>
       </a:style>
     </a:spDef>
@@ -5465,7 +5571,7 @@
         <a:effectLst/>
         <a:sp3d/>
       </a:spPr>
-      <a:bodyPr rot="0" spcFirstLastPara="1" vertOverflow="overflow" horzOverflow="overflow" vert="horz" wrap="square" lIns="91439" tIns="45719" rIns="91439" bIns="45719" numCol="1" spcCol="38100" rtlCol="0" anchor="t" upright="0">
+      <a:bodyPr rot="0" spcFirstLastPara="1" vertOverflow="overflow" horzOverflow="overflow" vert="horz" wrap="square" lIns="91439" tIns="45719" rIns="91439" bIns="45719" numCol="1" spcCol="38100" rtlCol="0" anchor="t">
         <a:noAutofit/>
       </a:bodyPr>
       <a:lstStyle>
@@ -5484,7 +5590,7 @@
           <a:buFontTx/>
           <a:buNone/>
           <a:tabLst/>
-          <a:defRPr b="0" baseline="0" cap="none" i="0" spc="0" strike="noStrike" sz="1800" u="none" kumimoji="0" normalizeH="0">
+          <a:defRPr kumimoji="0" sz="1800" b="0" i="0" u="none" strike="noStrike" cap="none" spc="0" normalizeH="0" baseline="0">
             <a:ln>
               <a:noFill/>
             </a:ln>
@@ -5510,7 +5616,7 @@
           <a:buFontTx/>
           <a:buNone/>
           <a:tabLst/>
-          <a:defRPr b="0" baseline="0" cap="none" i="0" spc="0" strike="noStrike" sz="1800" u="none" kumimoji="0" normalizeH="0">
+          <a:defRPr kumimoji="0" sz="1800" b="0" i="0" u="none" strike="noStrike" cap="none" spc="0" normalizeH="0" baseline="0">
             <a:ln>
               <a:noFill/>
             </a:ln>
@@ -5536,7 +5642,7 @@
           <a:buFontTx/>
           <a:buNone/>
           <a:tabLst/>
-          <a:defRPr b="0" baseline="0" cap="none" i="0" spc="0" strike="noStrike" sz="1800" u="none" kumimoji="0" normalizeH="0">
+          <a:defRPr kumimoji="0" sz="1800" b="0" i="0" u="none" strike="noStrike" cap="none" spc="0" normalizeH="0" baseline="0">
             <a:ln>
               <a:noFill/>
             </a:ln>
@@ -5562,7 +5668,7 @@
           <a:buFontTx/>
           <a:buNone/>
           <a:tabLst/>
-          <a:defRPr b="0" baseline="0" cap="none" i="0" spc="0" strike="noStrike" sz="1800" u="none" kumimoji="0" normalizeH="0">
+          <a:defRPr kumimoji="0" sz="1800" b="0" i="0" u="none" strike="noStrike" cap="none" spc="0" normalizeH="0" baseline="0">
             <a:ln>
               <a:noFill/>
             </a:ln>
@@ -5588,7 +5694,7 @@
           <a:buFontTx/>
           <a:buNone/>
           <a:tabLst/>
-          <a:defRPr b="0" baseline="0" cap="none" i="0" spc="0" strike="noStrike" sz="1800" u="none" kumimoji="0" normalizeH="0">
+          <a:defRPr kumimoji="0" sz="1800" b="0" i="0" u="none" strike="noStrike" cap="none" spc="0" normalizeH="0" baseline="0">
             <a:ln>
               <a:noFill/>
             </a:ln>
@@ -5614,7 +5720,7 @@
           <a:buFontTx/>
           <a:buNone/>
           <a:tabLst/>
-          <a:defRPr b="0" baseline="0" cap="none" i="0" spc="0" strike="noStrike" sz="1800" u="none" kumimoji="0" normalizeH="0">
+          <a:defRPr kumimoji="0" sz="1800" b="0" i="0" u="none" strike="noStrike" cap="none" spc="0" normalizeH="0" baseline="0">
             <a:ln>
               <a:noFill/>
             </a:ln>
@@ -5640,7 +5746,7 @@
           <a:buFontTx/>
           <a:buNone/>
           <a:tabLst/>
-          <a:defRPr b="0" baseline="0" cap="none" i="0" spc="0" strike="noStrike" sz="1800" u="none" kumimoji="0" normalizeH="0">
+          <a:defRPr kumimoji="0" sz="1800" b="0" i="0" u="none" strike="noStrike" cap="none" spc="0" normalizeH="0" baseline="0">
             <a:ln>
               <a:noFill/>
             </a:ln>
@@ -5666,7 +5772,7 @@
           <a:buFontTx/>
           <a:buNone/>
           <a:tabLst/>
-          <a:defRPr b="0" baseline="0" cap="none" i="0" spc="0" strike="noStrike" sz="1800" u="none" kumimoji="0" normalizeH="0">
+          <a:defRPr kumimoji="0" sz="1800" b="0" i="0" u="none" strike="noStrike" cap="none" spc="0" normalizeH="0" baseline="0">
             <a:ln>
               <a:noFill/>
             </a:ln>
@@ -5692,7 +5798,7 @@
           <a:buFontTx/>
           <a:buNone/>
           <a:tabLst/>
-          <a:defRPr b="0" baseline="0" cap="none" i="0" spc="0" strike="noStrike" sz="1800" u="none" kumimoji="0" normalizeH="0">
+          <a:defRPr kumimoji="0" sz="1800" b="0" i="0" u="none" strike="noStrike" cap="none" spc="0" normalizeH="0" baseline="0">
             <a:ln>
               <a:noFill/>
             </a:ln>
@@ -5718,7 +5824,7 @@
           <a:buFontTx/>
           <a:buNone/>
           <a:tabLst/>
-          <a:defRPr b="0" baseline="0" cap="none" i="0" spc="0" strike="noStrike" sz="1800" u="none" kumimoji="0" normalizeH="0">
+          <a:defRPr kumimoji="0" sz="1800" b="0" i="0" u="none" strike="noStrike" cap="none" spc="0" normalizeH="0" baseline="0">
             <a:ln>
               <a:noFill/>
             </a:ln>
@@ -5731,9 +5837,15 @@
         </a:lvl9pPr>
       </a:lstStyle>
       <a:style>
-        <a:lnRef idx="0"/>
-        <a:fillRef idx="0"/>
-        <a:effectRef idx="0"/>
+        <a:lnRef idx="0">
+          <a:scrgbClr r="0" g="0" b="0"/>
+        </a:lnRef>
+        <a:fillRef idx="0">
+          <a:scrgbClr r="0" g="0" b="0"/>
+        </a:fillRef>
+        <a:effectRef idx="0">
+          <a:scrgbClr r="0" g="0" b="0"/>
+        </a:effectRef>
         <a:fontRef idx="none"/>
       </a:style>
     </a:lnDef>
@@ -5747,7 +5859,7 @@
         <a:effectLst/>
         <a:sp3d/>
       </a:spPr>
-      <a:bodyPr rot="0" spcFirstLastPara="1" vertOverflow="overflow" horzOverflow="overflow" vert="horz" wrap="square" lIns="50800" tIns="50800" rIns="50800" bIns="50800" numCol="1" spcCol="38100" rtlCol="0" anchor="ctr" upright="0">
+      <a:bodyPr rot="0" spcFirstLastPara="1" vertOverflow="overflow" horzOverflow="overflow" vert="horz" wrap="square" lIns="50800" tIns="50800" rIns="50800" bIns="50800" numCol="1" spcCol="38100" rtlCol="0" anchor="ctr">
         <a:spAutoFit/>
       </a:bodyPr>
       <a:lstStyle>
@@ -5766,7 +5878,7 @@
           <a:buFontTx/>
           <a:buNone/>
           <a:tabLst/>
-          <a:defRPr b="0" baseline="0" cap="none" i="0" spc="0" strike="noStrike" sz="2400" u="none" kumimoji="0" normalizeH="0">
+          <a:defRPr kumimoji="0" sz="2400" b="0" i="0" u="none" strike="noStrike" cap="none" spc="0" normalizeH="0" baseline="0">
             <a:ln>
               <a:noFill/>
             </a:ln>
@@ -5796,7 +5908,7 @@
           <a:buFontTx/>
           <a:buNone/>
           <a:tabLst/>
-          <a:defRPr b="0" baseline="0" cap="none" i="0" spc="0" strike="noStrike" sz="1800" u="none" kumimoji="0" normalizeH="0">
+          <a:defRPr kumimoji="0" sz="1800" b="0" i="0" u="none" strike="noStrike" cap="none" spc="0" normalizeH="0" baseline="0">
             <a:ln>
               <a:noFill/>
             </a:ln>
@@ -5822,7 +5934,7 @@
           <a:buFontTx/>
           <a:buNone/>
           <a:tabLst/>
-          <a:defRPr b="0" baseline="0" cap="none" i="0" spc="0" strike="noStrike" sz="1800" u="none" kumimoji="0" normalizeH="0">
+          <a:defRPr kumimoji="0" sz="1800" b="0" i="0" u="none" strike="noStrike" cap="none" spc="0" normalizeH="0" baseline="0">
             <a:ln>
               <a:noFill/>
             </a:ln>
@@ -5848,7 +5960,7 @@
           <a:buFontTx/>
           <a:buNone/>
           <a:tabLst/>
-          <a:defRPr b="0" baseline="0" cap="none" i="0" spc="0" strike="noStrike" sz="1800" u="none" kumimoji="0" normalizeH="0">
+          <a:defRPr kumimoji="0" sz="1800" b="0" i="0" u="none" strike="noStrike" cap="none" spc="0" normalizeH="0" baseline="0">
             <a:ln>
               <a:noFill/>
             </a:ln>
@@ -5874,7 +5986,7 @@
           <a:buFontTx/>
           <a:buNone/>
           <a:tabLst/>
-          <a:defRPr b="0" baseline="0" cap="none" i="0" spc="0" strike="noStrike" sz="1800" u="none" kumimoji="0" normalizeH="0">
+          <a:defRPr kumimoji="0" sz="1800" b="0" i="0" u="none" strike="noStrike" cap="none" spc="0" normalizeH="0" baseline="0">
             <a:ln>
               <a:noFill/>
             </a:ln>
@@ -5900,7 +6012,7 @@
           <a:buFontTx/>
           <a:buNone/>
           <a:tabLst/>
-          <a:defRPr b="0" baseline="0" cap="none" i="0" spc="0" strike="noStrike" sz="1800" u="none" kumimoji="0" normalizeH="0">
+          <a:defRPr kumimoji="0" sz="1800" b="0" i="0" u="none" strike="noStrike" cap="none" spc="0" normalizeH="0" baseline="0">
             <a:ln>
               <a:noFill/>
             </a:ln>
@@ -5926,7 +6038,7 @@
           <a:buFontTx/>
           <a:buNone/>
           <a:tabLst/>
-          <a:defRPr b="0" baseline="0" cap="none" i="0" spc="0" strike="noStrike" sz="1800" u="none" kumimoji="0" normalizeH="0">
+          <a:defRPr kumimoji="0" sz="1800" b="0" i="0" u="none" strike="noStrike" cap="none" spc="0" normalizeH="0" baseline="0">
             <a:ln>
               <a:noFill/>
             </a:ln>
@@ -5952,7 +6064,7 @@
           <a:buFontTx/>
           <a:buNone/>
           <a:tabLst/>
-          <a:defRPr b="0" baseline="0" cap="none" i="0" spc="0" strike="noStrike" sz="1800" u="none" kumimoji="0" normalizeH="0">
+          <a:defRPr kumimoji="0" sz="1800" b="0" i="0" u="none" strike="noStrike" cap="none" spc="0" normalizeH="0" baseline="0">
             <a:ln>
               <a:noFill/>
             </a:ln>
@@ -5978,7 +6090,7 @@
           <a:buFontTx/>
           <a:buNone/>
           <a:tabLst/>
-          <a:defRPr b="0" baseline="0" cap="none" i="0" spc="0" strike="noStrike" sz="1800" u="none" kumimoji="0" normalizeH="0">
+          <a:defRPr kumimoji="0" sz="1800" b="0" i="0" u="none" strike="noStrike" cap="none" spc="0" normalizeH="0" baseline="0">
             <a:ln>
               <a:noFill/>
             </a:ln>
@@ -6004,7 +6116,7 @@
           <a:buFontTx/>
           <a:buNone/>
           <a:tabLst/>
-          <a:defRPr b="0" baseline="0" cap="none" i="0" spc="0" strike="noStrike" sz="1800" u="none" kumimoji="0" normalizeH="0">
+          <a:defRPr kumimoji="0" sz="1800" b="0" i="0" u="none" strike="noStrike" cap="none" spc="0" normalizeH="0" baseline="0">
             <a:ln>
               <a:noFill/>
             </a:ln>
@@ -6017,18 +6129,25 @@
         </a:lvl9pPr>
       </a:lstStyle>
       <a:style>
-        <a:lnRef idx="0"/>
-        <a:fillRef idx="0"/>
-        <a:effectRef idx="0"/>
+        <a:lnRef idx="0">
+          <a:scrgbClr r="0" g="0" b="0"/>
+        </a:lnRef>
+        <a:fillRef idx="0">
+          <a:scrgbClr r="0" g="0" b="0"/>
+        </a:fillRef>
+        <a:effectRef idx="0">
+          <a:scrgbClr r="0" g="0" b="0"/>
+        </a:effectRef>
         <a:fontRef idx="none"/>
       </a:style>
     </a:txDef>
   </a:objectDefaults>
+  <a:extraClrSchemeLst/>
 </a:theme>
 </file>
 
 <file path=ppt/theme/theme2.xml><?xml version="1.0" encoding="utf-8"?>
-<a:theme xmlns:a="http://schemas.openxmlformats.org/drawingml/2006/main" xmlns:r="http://schemas.openxmlformats.org/officeDocument/2006/relationships" name="21_BasicWhite">
+<a:theme xmlns:a="http://schemas.openxmlformats.org/drawingml/2006/main" name="21_BasicWhite">
   <a:themeElements>
     <a:clrScheme name="21_BasicWhite">
       <a:dk1>
@@ -6227,7 +6346,7 @@
         <a:effectLst/>
         <a:sp3d/>
       </a:spPr>
-      <a:bodyPr rot="0" spcFirstLastPara="1" vertOverflow="overflow" horzOverflow="overflow" vert="horz" wrap="square" lIns="50800" tIns="50800" rIns="50800" bIns="50800" numCol="1" spcCol="38100" rtlCol="0" anchor="ctr" upright="0">
+      <a:bodyPr rot="0" spcFirstLastPara="1" vertOverflow="overflow" horzOverflow="overflow" vert="horz" wrap="square" lIns="50800" tIns="50800" rIns="50800" bIns="50800" numCol="1" spcCol="38100" rtlCol="0" anchor="ctr">
         <a:spAutoFit/>
       </a:bodyPr>
       <a:lstStyle>
@@ -6246,7 +6365,7 @@
           <a:buFontTx/>
           <a:buNone/>
           <a:tabLst/>
-          <a:defRPr b="0" baseline="0" cap="none" i="0" spc="0" strike="noStrike" sz="3200" u="none" kumimoji="0" normalizeH="0">
+          <a:defRPr kumimoji="0" sz="3200" b="0" i="0" u="none" strike="noStrike" cap="none" spc="0" normalizeH="0" baseline="0">
             <a:ln>
               <a:noFill/>
             </a:ln>
@@ -6276,7 +6395,7 @@
           <a:buFontTx/>
           <a:buNone/>
           <a:tabLst/>
-          <a:defRPr b="0" baseline="0" cap="none" i="0" spc="0" strike="noStrike" sz="1800" u="none" kumimoji="0" normalizeH="0">
+          <a:defRPr kumimoji="0" sz="1800" b="0" i="0" u="none" strike="noStrike" cap="none" spc="0" normalizeH="0" baseline="0">
             <a:ln>
               <a:noFill/>
             </a:ln>
@@ -6302,7 +6421,7 @@
           <a:buFontTx/>
           <a:buNone/>
           <a:tabLst/>
-          <a:defRPr b="0" baseline="0" cap="none" i="0" spc="0" strike="noStrike" sz="1800" u="none" kumimoji="0" normalizeH="0">
+          <a:defRPr kumimoji="0" sz="1800" b="0" i="0" u="none" strike="noStrike" cap="none" spc="0" normalizeH="0" baseline="0">
             <a:ln>
               <a:noFill/>
             </a:ln>
@@ -6328,7 +6447,7 @@
           <a:buFontTx/>
           <a:buNone/>
           <a:tabLst/>
-          <a:defRPr b="0" baseline="0" cap="none" i="0" spc="0" strike="noStrike" sz="1800" u="none" kumimoji="0" normalizeH="0">
+          <a:defRPr kumimoji="0" sz="1800" b="0" i="0" u="none" strike="noStrike" cap="none" spc="0" normalizeH="0" baseline="0">
             <a:ln>
               <a:noFill/>
             </a:ln>
@@ -6354,7 +6473,7 @@
           <a:buFontTx/>
           <a:buNone/>
           <a:tabLst/>
-          <a:defRPr b="0" baseline="0" cap="none" i="0" spc="0" strike="noStrike" sz="1800" u="none" kumimoji="0" normalizeH="0">
+          <a:defRPr kumimoji="0" sz="1800" b="0" i="0" u="none" strike="noStrike" cap="none" spc="0" normalizeH="0" baseline="0">
             <a:ln>
               <a:noFill/>
             </a:ln>
@@ -6380,7 +6499,7 @@
           <a:buFontTx/>
           <a:buNone/>
           <a:tabLst/>
-          <a:defRPr b="0" baseline="0" cap="none" i="0" spc="0" strike="noStrike" sz="1800" u="none" kumimoji="0" normalizeH="0">
+          <a:defRPr kumimoji="0" sz="1800" b="0" i="0" u="none" strike="noStrike" cap="none" spc="0" normalizeH="0" baseline="0">
             <a:ln>
               <a:noFill/>
             </a:ln>
@@ -6406,7 +6525,7 @@
           <a:buFontTx/>
           <a:buNone/>
           <a:tabLst/>
-          <a:defRPr b="0" baseline="0" cap="none" i="0" spc="0" strike="noStrike" sz="1800" u="none" kumimoji="0" normalizeH="0">
+          <a:defRPr kumimoji="0" sz="1800" b="0" i="0" u="none" strike="noStrike" cap="none" spc="0" normalizeH="0" baseline="0">
             <a:ln>
               <a:noFill/>
             </a:ln>
@@ -6432,7 +6551,7 @@
           <a:buFontTx/>
           <a:buNone/>
           <a:tabLst/>
-          <a:defRPr b="0" baseline="0" cap="none" i="0" spc="0" strike="noStrike" sz="1800" u="none" kumimoji="0" normalizeH="0">
+          <a:defRPr kumimoji="0" sz="1800" b="0" i="0" u="none" strike="noStrike" cap="none" spc="0" normalizeH="0" baseline="0">
             <a:ln>
               <a:noFill/>
             </a:ln>
@@ -6458,7 +6577,7 @@
           <a:buFontTx/>
           <a:buNone/>
           <a:tabLst/>
-          <a:defRPr b="0" baseline="0" cap="none" i="0" spc="0" strike="noStrike" sz="1800" u="none" kumimoji="0" normalizeH="0">
+          <a:defRPr kumimoji="0" sz="1800" b="0" i="0" u="none" strike="noStrike" cap="none" spc="0" normalizeH="0" baseline="0">
             <a:ln>
               <a:noFill/>
             </a:ln>
@@ -6484,7 +6603,7 @@
           <a:buFontTx/>
           <a:buNone/>
           <a:tabLst/>
-          <a:defRPr b="0" baseline="0" cap="none" i="0" spc="0" strike="noStrike" sz="1800" u="none" kumimoji="0" normalizeH="0">
+          <a:defRPr kumimoji="0" sz="1800" b="0" i="0" u="none" strike="noStrike" cap="none" spc="0" normalizeH="0" baseline="0">
             <a:ln>
               <a:noFill/>
             </a:ln>
@@ -6497,9 +6616,15 @@
         </a:lvl9pPr>
       </a:lstStyle>
       <a:style>
-        <a:lnRef idx="0"/>
-        <a:fillRef idx="0"/>
-        <a:effectRef idx="0"/>
+        <a:lnRef idx="0">
+          <a:scrgbClr r="0" g="0" b="0"/>
+        </a:lnRef>
+        <a:fillRef idx="0">
+          <a:scrgbClr r="0" g="0" b="0"/>
+        </a:fillRef>
+        <a:effectRef idx="0">
+          <a:scrgbClr r="0" g="0" b="0"/>
+        </a:effectRef>
         <a:fontRef idx="none"/>
       </a:style>
     </a:spDef>
@@ -6516,7 +6641,7 @@
         <a:effectLst/>
         <a:sp3d/>
       </a:spPr>
-      <a:bodyPr rot="0" spcFirstLastPara="1" vertOverflow="overflow" horzOverflow="overflow" vert="horz" wrap="square" lIns="91439" tIns="45719" rIns="91439" bIns="45719" numCol="1" spcCol="38100" rtlCol="0" anchor="t" upright="0">
+      <a:bodyPr rot="0" spcFirstLastPara="1" vertOverflow="overflow" horzOverflow="overflow" vert="horz" wrap="square" lIns="91439" tIns="45719" rIns="91439" bIns="45719" numCol="1" spcCol="38100" rtlCol="0" anchor="t">
         <a:noAutofit/>
       </a:bodyPr>
       <a:lstStyle>
@@ -6535,7 +6660,7 @@
           <a:buFontTx/>
           <a:buNone/>
           <a:tabLst/>
-          <a:defRPr b="0" baseline="0" cap="none" i="0" spc="0" strike="noStrike" sz="1800" u="none" kumimoji="0" normalizeH="0">
+          <a:defRPr kumimoji="0" sz="1800" b="0" i="0" u="none" strike="noStrike" cap="none" spc="0" normalizeH="0" baseline="0">
             <a:ln>
               <a:noFill/>
             </a:ln>
@@ -6561,7 +6686,7 @@
           <a:buFontTx/>
           <a:buNone/>
           <a:tabLst/>
-          <a:defRPr b="0" baseline="0" cap="none" i="0" spc="0" strike="noStrike" sz="1800" u="none" kumimoji="0" normalizeH="0">
+          <a:defRPr kumimoji="0" sz="1800" b="0" i="0" u="none" strike="noStrike" cap="none" spc="0" normalizeH="0" baseline="0">
             <a:ln>
               <a:noFill/>
             </a:ln>
@@ -6587,7 +6712,7 @@
           <a:buFontTx/>
           <a:buNone/>
           <a:tabLst/>
-          <a:defRPr b="0" baseline="0" cap="none" i="0" spc="0" strike="noStrike" sz="1800" u="none" kumimoji="0" normalizeH="0">
+          <a:defRPr kumimoji="0" sz="1800" b="0" i="0" u="none" strike="noStrike" cap="none" spc="0" normalizeH="0" baseline="0">
             <a:ln>
               <a:noFill/>
             </a:ln>
@@ -6613,7 +6738,7 @@
           <a:buFontTx/>
           <a:buNone/>
           <a:tabLst/>
-          <a:defRPr b="0" baseline="0" cap="none" i="0" spc="0" strike="noStrike" sz="1800" u="none" kumimoji="0" normalizeH="0">
+          <a:defRPr kumimoji="0" sz="1800" b="0" i="0" u="none" strike="noStrike" cap="none" spc="0" normalizeH="0" baseline="0">
             <a:ln>
               <a:noFill/>
             </a:ln>
@@ -6639,7 +6764,7 @@
           <a:buFontTx/>
           <a:buNone/>
           <a:tabLst/>
-          <a:defRPr b="0" baseline="0" cap="none" i="0" spc="0" strike="noStrike" sz="1800" u="none" kumimoji="0" normalizeH="0">
+          <a:defRPr kumimoji="0" sz="1800" b="0" i="0" u="none" strike="noStrike" cap="none" spc="0" normalizeH="0" baseline="0">
             <a:ln>
               <a:noFill/>
             </a:ln>
@@ -6665,7 +6790,7 @@
           <a:buFontTx/>
           <a:buNone/>
           <a:tabLst/>
-          <a:defRPr b="0" baseline="0" cap="none" i="0" spc="0" strike="noStrike" sz="1800" u="none" kumimoji="0" normalizeH="0">
+          <a:defRPr kumimoji="0" sz="1800" b="0" i="0" u="none" strike="noStrike" cap="none" spc="0" normalizeH="0" baseline="0">
             <a:ln>
               <a:noFill/>
             </a:ln>
@@ -6691,7 +6816,7 @@
           <a:buFontTx/>
           <a:buNone/>
           <a:tabLst/>
-          <a:defRPr b="0" baseline="0" cap="none" i="0" spc="0" strike="noStrike" sz="1800" u="none" kumimoji="0" normalizeH="0">
+          <a:defRPr kumimoji="0" sz="1800" b="0" i="0" u="none" strike="noStrike" cap="none" spc="0" normalizeH="0" baseline="0">
             <a:ln>
               <a:noFill/>
             </a:ln>
@@ -6717,7 +6842,7 @@
           <a:buFontTx/>
           <a:buNone/>
           <a:tabLst/>
-          <a:defRPr b="0" baseline="0" cap="none" i="0" spc="0" strike="noStrike" sz="1800" u="none" kumimoji="0" normalizeH="0">
+          <a:defRPr kumimoji="0" sz="1800" b="0" i="0" u="none" strike="noStrike" cap="none" spc="0" normalizeH="0" baseline="0">
             <a:ln>
               <a:noFill/>
             </a:ln>
@@ -6743,7 +6868,7 @@
           <a:buFontTx/>
           <a:buNone/>
           <a:tabLst/>
-          <a:defRPr b="0" baseline="0" cap="none" i="0" spc="0" strike="noStrike" sz="1800" u="none" kumimoji="0" normalizeH="0">
+          <a:defRPr kumimoji="0" sz="1800" b="0" i="0" u="none" strike="noStrike" cap="none" spc="0" normalizeH="0" baseline="0">
             <a:ln>
               <a:noFill/>
             </a:ln>
@@ -6769,7 +6894,7 @@
           <a:buFontTx/>
           <a:buNone/>
           <a:tabLst/>
-          <a:defRPr b="0" baseline="0" cap="none" i="0" spc="0" strike="noStrike" sz="1800" u="none" kumimoji="0" normalizeH="0">
+          <a:defRPr kumimoji="0" sz="1800" b="0" i="0" u="none" strike="noStrike" cap="none" spc="0" normalizeH="0" baseline="0">
             <a:ln>
               <a:noFill/>
             </a:ln>
@@ -6782,9 +6907,15 @@
         </a:lvl9pPr>
       </a:lstStyle>
       <a:style>
-        <a:lnRef idx="0"/>
-        <a:fillRef idx="0"/>
-        <a:effectRef idx="0"/>
+        <a:lnRef idx="0">
+          <a:scrgbClr r="0" g="0" b="0"/>
+        </a:lnRef>
+        <a:fillRef idx="0">
+          <a:scrgbClr r="0" g="0" b="0"/>
+        </a:fillRef>
+        <a:effectRef idx="0">
+          <a:scrgbClr r="0" g="0" b="0"/>
+        </a:effectRef>
         <a:fontRef idx="none"/>
       </a:style>
     </a:lnDef>
@@ -6798,7 +6929,7 @@
         <a:effectLst/>
         <a:sp3d/>
       </a:spPr>
-      <a:bodyPr rot="0" spcFirstLastPara="1" vertOverflow="overflow" horzOverflow="overflow" vert="horz" wrap="square" lIns="50800" tIns="50800" rIns="50800" bIns="50800" numCol="1" spcCol="38100" rtlCol="0" anchor="ctr" upright="0">
+      <a:bodyPr rot="0" spcFirstLastPara="1" vertOverflow="overflow" horzOverflow="overflow" vert="horz" wrap="square" lIns="50800" tIns="50800" rIns="50800" bIns="50800" numCol="1" spcCol="38100" rtlCol="0" anchor="ctr">
         <a:spAutoFit/>
       </a:bodyPr>
       <a:lstStyle>
@@ -6817,7 +6948,7 @@
           <a:buFontTx/>
           <a:buNone/>
           <a:tabLst/>
-          <a:defRPr b="0" baseline="0" cap="none" i="0" spc="0" strike="noStrike" sz="2400" u="none" kumimoji="0" normalizeH="0">
+          <a:defRPr kumimoji="0" sz="2400" b="0" i="0" u="none" strike="noStrike" cap="none" spc="0" normalizeH="0" baseline="0">
             <a:ln>
               <a:noFill/>
             </a:ln>
@@ -6847,7 +6978,7 @@
           <a:buFontTx/>
           <a:buNone/>
           <a:tabLst/>
-          <a:defRPr b="0" baseline="0" cap="none" i="0" spc="0" strike="noStrike" sz="1800" u="none" kumimoji="0" normalizeH="0">
+          <a:defRPr kumimoji="0" sz="1800" b="0" i="0" u="none" strike="noStrike" cap="none" spc="0" normalizeH="0" baseline="0">
             <a:ln>
               <a:noFill/>
             </a:ln>
@@ -6873,7 +7004,7 @@
           <a:buFontTx/>
           <a:buNone/>
           <a:tabLst/>
-          <a:defRPr b="0" baseline="0" cap="none" i="0" spc="0" strike="noStrike" sz="1800" u="none" kumimoji="0" normalizeH="0">
+          <a:defRPr kumimoji="0" sz="1800" b="0" i="0" u="none" strike="noStrike" cap="none" spc="0" normalizeH="0" baseline="0">
             <a:ln>
               <a:noFill/>
             </a:ln>
@@ -6899,7 +7030,7 @@
           <a:buFontTx/>
           <a:buNone/>
           <a:tabLst/>
-          <a:defRPr b="0" baseline="0" cap="none" i="0" spc="0" strike="noStrike" sz="1800" u="none" kumimoji="0" normalizeH="0">
+          <a:defRPr kumimoji="0" sz="1800" b="0" i="0" u="none" strike="noStrike" cap="none" spc="0" normalizeH="0" baseline="0">
             <a:ln>
               <a:noFill/>
             </a:ln>
@@ -6925,7 +7056,7 @@
           <a:buFontTx/>
           <a:buNone/>
           <a:tabLst/>
-          <a:defRPr b="0" baseline="0" cap="none" i="0" spc="0" strike="noStrike" sz="1800" u="none" kumimoji="0" normalizeH="0">
+          <a:defRPr kumimoji="0" sz="1800" b="0" i="0" u="none" strike="noStrike" cap="none" spc="0" normalizeH="0" baseline="0">
             <a:ln>
               <a:noFill/>
             </a:ln>
@@ -6951,7 +7082,7 @@
           <a:buFontTx/>
           <a:buNone/>
           <a:tabLst/>
-          <a:defRPr b="0" baseline="0" cap="none" i="0" spc="0" strike="noStrike" sz="1800" u="none" kumimoji="0" normalizeH="0">
+          <a:defRPr kumimoji="0" sz="1800" b="0" i="0" u="none" strike="noStrike" cap="none" spc="0" normalizeH="0" baseline="0">
             <a:ln>
               <a:noFill/>
             </a:ln>
@@ -6977,7 +7108,7 @@
           <a:buFontTx/>
           <a:buNone/>
           <a:tabLst/>
-          <a:defRPr b="0" baseline="0" cap="none" i="0" spc="0" strike="noStrike" sz="1800" u="none" kumimoji="0" normalizeH="0">
+          <a:defRPr kumimoji="0" sz="1800" b="0" i="0" u="none" strike="noStrike" cap="none" spc="0" normalizeH="0" baseline="0">
             <a:ln>
               <a:noFill/>
             </a:ln>
@@ -7003,7 +7134,7 @@
           <a:buFontTx/>
           <a:buNone/>
           <a:tabLst/>
-          <a:defRPr b="0" baseline="0" cap="none" i="0" spc="0" strike="noStrike" sz="1800" u="none" kumimoji="0" normalizeH="0">
+          <a:defRPr kumimoji="0" sz="1800" b="0" i="0" u="none" strike="noStrike" cap="none" spc="0" normalizeH="0" baseline="0">
             <a:ln>
               <a:noFill/>
             </a:ln>
@@ -7029,7 +7160,7 @@
           <a:buFontTx/>
           <a:buNone/>
           <a:tabLst/>
-          <a:defRPr b="0" baseline="0" cap="none" i="0" spc="0" strike="noStrike" sz="1800" u="none" kumimoji="0" normalizeH="0">
+          <a:defRPr kumimoji="0" sz="1800" b="0" i="0" u="none" strike="noStrike" cap="none" spc="0" normalizeH="0" baseline="0">
             <a:ln>
               <a:noFill/>
             </a:ln>
@@ -7055,7 +7186,7 @@
           <a:buFontTx/>
           <a:buNone/>
           <a:tabLst/>
-          <a:defRPr b="0" baseline="0" cap="none" i="0" spc="0" strike="noStrike" sz="1800" u="none" kumimoji="0" normalizeH="0">
+          <a:defRPr kumimoji="0" sz="1800" b="0" i="0" u="none" strike="noStrike" cap="none" spc="0" normalizeH="0" baseline="0">
             <a:ln>
               <a:noFill/>
             </a:ln>
@@ -7068,12 +7199,19 @@
         </a:lvl9pPr>
       </a:lstStyle>
       <a:style>
-        <a:lnRef idx="0"/>
-        <a:fillRef idx="0"/>
-        <a:effectRef idx="0"/>
+        <a:lnRef idx="0">
+          <a:scrgbClr r="0" g="0" b="0"/>
+        </a:lnRef>
+        <a:fillRef idx="0">
+          <a:scrgbClr r="0" g="0" b="0"/>
+        </a:fillRef>
+        <a:effectRef idx="0">
+          <a:scrgbClr r="0" g="0" b="0"/>
+        </a:effectRef>
         <a:fontRef idx="none"/>
       </a:style>
     </a:txDef>
   </a:objectDefaults>
+  <a:extraClrSchemeLst/>
 </a:theme>
 </file>